--- a/ArchitectureDiagram.pptx
+++ b/ArchitectureDiagram.pptx
@@ -2,10 +2,10 @@
 <file path=ppt/presentation.xml><?xml version="1.0" encoding="utf-8"?>
 <p:presentation xmlns:a="http://schemas.openxmlformats.org/drawingml/2006/main" xmlns:r="http://schemas.openxmlformats.org/officeDocument/2006/relationships" xmlns:p="http://schemas.openxmlformats.org/presentationml/2006/main" saveSubsetFonts="1">
   <p:sldMasterIdLst>
-    <p:sldMasterId id="2147483648" r:id="rId1"/>
+    <p:sldMasterId id="2147483648" r:id="rId4"/>
   </p:sldMasterIdLst>
   <p:sldIdLst>
-    <p:sldId id="256" r:id="rId2"/>
+    <p:sldId id="256" r:id="rId5"/>
   </p:sldIdLst>
   <p:sldSz cx="12192000" cy="6858000"/>
   <p:notesSz cx="6858000" cy="9144000"/>
@@ -104,6 +104,11 @@
       </a:defRPr>
     </a:lvl9pPr>
   </p:defaultTextStyle>
+  <p:extLst>
+    <p:ext uri="{EFAFB233-063F-42B5-8137-9DF3F51BA10A}">
+      <p15:sldGuideLst xmlns:p15="http://schemas.microsoft.com/office/powerpoint/2012/main"/>
+    </p:ext>
+  </p:extLst>
 </p:presentation>
 </file>
 
@@ -254,7 +259,7 @@
           <a:p>
             <a:fld id="{B216ADAA-AA8D-4913-B3E8-01A1982EC191}" type="datetimeFigureOut">
               <a:rPr lang="en-US" smtClean="0"/>
-              <a:t>10/11/2022</a:t>
+              <a:t>10/13/2022</a:t>
             </a:fld>
             <a:endParaRPr lang="en-US"/>
           </a:p>
@@ -452,7 +457,7 @@
           <a:p>
             <a:fld id="{B216ADAA-AA8D-4913-B3E8-01A1982EC191}" type="datetimeFigureOut">
               <a:rPr lang="en-US" smtClean="0"/>
-              <a:t>10/11/2022</a:t>
+              <a:t>10/13/2022</a:t>
             </a:fld>
             <a:endParaRPr lang="en-US"/>
           </a:p>
@@ -660,7 +665,7 @@
           <a:p>
             <a:fld id="{B216ADAA-AA8D-4913-B3E8-01A1982EC191}" type="datetimeFigureOut">
               <a:rPr lang="en-US" smtClean="0"/>
-              <a:t>10/11/2022</a:t>
+              <a:t>10/13/2022</a:t>
             </a:fld>
             <a:endParaRPr lang="en-US"/>
           </a:p>
@@ -858,7 +863,7 @@
           <a:p>
             <a:fld id="{B216ADAA-AA8D-4913-B3E8-01A1982EC191}" type="datetimeFigureOut">
               <a:rPr lang="en-US" smtClean="0"/>
-              <a:t>10/11/2022</a:t>
+              <a:t>10/13/2022</a:t>
             </a:fld>
             <a:endParaRPr lang="en-US"/>
           </a:p>
@@ -1133,7 +1138,7 @@
           <a:p>
             <a:fld id="{B216ADAA-AA8D-4913-B3E8-01A1982EC191}" type="datetimeFigureOut">
               <a:rPr lang="en-US" smtClean="0"/>
-              <a:t>10/11/2022</a:t>
+              <a:t>10/13/2022</a:t>
             </a:fld>
             <a:endParaRPr lang="en-US"/>
           </a:p>
@@ -1398,7 +1403,7 @@
           <a:p>
             <a:fld id="{B216ADAA-AA8D-4913-B3E8-01A1982EC191}" type="datetimeFigureOut">
               <a:rPr lang="en-US" smtClean="0"/>
-              <a:t>10/11/2022</a:t>
+              <a:t>10/13/2022</a:t>
             </a:fld>
             <a:endParaRPr lang="en-US"/>
           </a:p>
@@ -1810,7 +1815,7 @@
           <a:p>
             <a:fld id="{B216ADAA-AA8D-4913-B3E8-01A1982EC191}" type="datetimeFigureOut">
               <a:rPr lang="en-US" smtClean="0"/>
-              <a:t>10/11/2022</a:t>
+              <a:t>10/13/2022</a:t>
             </a:fld>
             <a:endParaRPr lang="en-US"/>
           </a:p>
@@ -1951,7 +1956,7 @@
           <a:p>
             <a:fld id="{B216ADAA-AA8D-4913-B3E8-01A1982EC191}" type="datetimeFigureOut">
               <a:rPr lang="en-US" smtClean="0"/>
-              <a:t>10/11/2022</a:t>
+              <a:t>10/13/2022</a:t>
             </a:fld>
             <a:endParaRPr lang="en-US"/>
           </a:p>
@@ -2064,7 +2069,7 @@
           <a:p>
             <a:fld id="{B216ADAA-AA8D-4913-B3E8-01A1982EC191}" type="datetimeFigureOut">
               <a:rPr lang="en-US" smtClean="0"/>
-              <a:t>10/11/2022</a:t>
+              <a:t>10/13/2022</a:t>
             </a:fld>
             <a:endParaRPr lang="en-US"/>
           </a:p>
@@ -2375,7 +2380,7 @@
           <a:p>
             <a:fld id="{B216ADAA-AA8D-4913-B3E8-01A1982EC191}" type="datetimeFigureOut">
               <a:rPr lang="en-US" smtClean="0"/>
-              <a:t>10/11/2022</a:t>
+              <a:t>10/13/2022</a:t>
             </a:fld>
             <a:endParaRPr lang="en-US"/>
           </a:p>
@@ -2663,7 +2668,7 @@
           <a:p>
             <a:fld id="{B216ADAA-AA8D-4913-B3E8-01A1982EC191}" type="datetimeFigureOut">
               <a:rPr lang="en-US" smtClean="0"/>
-              <a:t>10/11/2022</a:t>
+              <a:t>10/13/2022</a:t>
             </a:fld>
             <a:endParaRPr lang="en-US"/>
           </a:p>
@@ -2904,7 +2909,7 @@
           <a:p>
             <a:fld id="{B216ADAA-AA8D-4913-B3E8-01A1982EC191}" type="datetimeFigureOut">
               <a:rPr lang="en-US" smtClean="0"/>
-              <a:t>10/11/2022</a:t>
+              <a:t>10/13/2022</a:t>
             </a:fld>
             <a:endParaRPr lang="en-US"/>
           </a:p>
@@ -3335,8 +3340,8 @@
         </p:nvSpPr>
         <p:spPr>
           <a:xfrm>
-            <a:off x="7123593" y="2683276"/>
-            <a:ext cx="1411550" cy="1038688"/>
+            <a:off x="5742368" y="2683276"/>
+            <a:ext cx="1411550" cy="745724"/>
           </a:xfrm>
           <a:prstGeom prst="rect">
             <a:avLst/>
@@ -3368,7 +3373,7 @@
             <a:pPr algn="ctr"/>
             <a:r>
               <a:rPr lang="en-US" dirty="0"/>
-              <a:t>Profile</a:t>
+              <a:t>Dashboard</a:t>
             </a:r>
           </a:p>
         </p:txBody>
@@ -3387,8 +3392,8 @@
         </p:nvSpPr>
         <p:spPr>
           <a:xfrm>
-            <a:off x="4833149" y="2683276"/>
-            <a:ext cx="1411550" cy="1038688"/>
+            <a:off x="3497059" y="2683276"/>
+            <a:ext cx="1411550" cy="745724"/>
           </a:xfrm>
           <a:prstGeom prst="rect">
             <a:avLst/>
@@ -3439,8 +3444,8 @@
         </p:nvSpPr>
         <p:spPr>
           <a:xfrm>
-            <a:off x="2672178" y="2683276"/>
-            <a:ext cx="1411550" cy="1038688"/>
+            <a:off x="1251751" y="2683276"/>
+            <a:ext cx="1411550" cy="745724"/>
           </a:xfrm>
           <a:prstGeom prst="rect">
             <a:avLst/>
@@ -3477,107 +3482,22 @@
           </a:p>
         </p:txBody>
       </p:sp>
-      <p:cxnSp>
-        <p:nvCxnSpPr>
-          <p:cNvPr id="62" name="Straight Arrow Connector 61">
-            <a:extLst>
-              <a:ext uri="{FF2B5EF4-FFF2-40B4-BE49-F238E27FC236}">
-                <a16:creationId xmlns:a16="http://schemas.microsoft.com/office/drawing/2014/main" id="{807F3CCF-ADC6-46F0-5EE4-7F7F2C0AA5FE}"/>
-              </a:ext>
-            </a:extLst>
-          </p:cNvPr>
-          <p:cNvCxnSpPr>
-            <a:stCxn id="58" idx="3"/>
-            <a:endCxn id="3" idx="1"/>
-          </p:cNvCxnSpPr>
+      <p:sp>
+        <p:nvSpPr>
+          <p:cNvPr id="81" name="Rectangle 80">
+            <a:extLst>
+              <a:ext uri="{FF2B5EF4-FFF2-40B4-BE49-F238E27FC236}">
+                <a16:creationId xmlns:a16="http://schemas.microsoft.com/office/drawing/2014/main" id="{57CF23B8-490D-3A00-2269-CC7C4D268007}"/>
+              </a:ext>
+            </a:extLst>
+          </p:cNvPr>
+          <p:cNvSpPr/>
           <p:nvPr/>
-        </p:nvCxnSpPr>
+        </p:nvSpPr>
         <p:spPr>
           <a:xfrm>
-            <a:off x="4083728" y="3202620"/>
-            <a:ext cx="749421" cy="0"/>
-          </a:xfrm>
-          <a:prstGeom prst="straightConnector1">
-            <a:avLst/>
-          </a:prstGeom>
-          <a:ln>
-            <a:tailEnd type="triangle"/>
-          </a:ln>
-        </p:spPr>
-        <p:style>
-          <a:lnRef idx="1">
-            <a:schemeClr val="accent1"/>
-          </a:lnRef>
-          <a:fillRef idx="0">
-            <a:schemeClr val="accent1"/>
-          </a:fillRef>
-          <a:effectRef idx="0">
-            <a:schemeClr val="accent1"/>
-          </a:effectRef>
-          <a:fontRef idx="minor">
-            <a:schemeClr val="tx1"/>
-          </a:fontRef>
-        </p:style>
-      </p:cxnSp>
-      <p:cxnSp>
-        <p:nvCxnSpPr>
-          <p:cNvPr id="76" name="Straight Arrow Connector 75">
-            <a:extLst>
-              <a:ext uri="{FF2B5EF4-FFF2-40B4-BE49-F238E27FC236}">
-                <a16:creationId xmlns:a16="http://schemas.microsoft.com/office/drawing/2014/main" id="{2300EFE1-7E73-D91B-7031-A4551BD792F5}"/>
-              </a:ext>
-            </a:extLst>
-          </p:cNvPr>
-          <p:cNvCxnSpPr>
-            <a:cxnSpLocks/>
-            <a:stCxn id="3" idx="3"/>
-            <a:endCxn id="2" idx="1"/>
-          </p:cNvCxnSpPr>
-          <p:nvPr/>
-        </p:nvCxnSpPr>
-        <p:spPr>
-          <a:xfrm>
-            <a:off x="6244699" y="3202620"/>
-            <a:ext cx="878894" cy="0"/>
-          </a:xfrm>
-          <a:prstGeom prst="straightConnector1">
-            <a:avLst/>
-          </a:prstGeom>
-          <a:ln>
-            <a:tailEnd type="triangle"/>
-          </a:ln>
-        </p:spPr>
-        <p:style>
-          <a:lnRef idx="1">
-            <a:schemeClr val="accent1"/>
-          </a:lnRef>
-          <a:fillRef idx="0">
-            <a:schemeClr val="accent1"/>
-          </a:fillRef>
-          <a:effectRef idx="0">
-            <a:schemeClr val="accent1"/>
-          </a:effectRef>
-          <a:fontRef idx="minor">
-            <a:schemeClr val="tx1"/>
-          </a:fontRef>
-        </p:style>
-      </p:cxnSp>
-      <p:sp>
-        <p:nvSpPr>
-          <p:cNvPr id="81" name="Rectangle 80">
-            <a:extLst>
-              <a:ext uri="{FF2B5EF4-FFF2-40B4-BE49-F238E27FC236}">
-                <a16:creationId xmlns:a16="http://schemas.microsoft.com/office/drawing/2014/main" id="{57CF23B8-490D-3A00-2269-CC7C4D268007}"/>
-              </a:ext>
-            </a:extLst>
-          </p:cNvPr>
-          <p:cNvSpPr/>
-          <p:nvPr/>
-        </p:nvSpPr>
-        <p:spPr>
-          <a:xfrm>
-            <a:off x="2882650" y="865572"/>
-            <a:ext cx="5467908" cy="1038688"/>
+            <a:off x="0" y="0"/>
+            <a:ext cx="5467908" cy="501589"/>
           </a:xfrm>
           <a:prstGeom prst="rect">
             <a:avLst/>
@@ -3619,6 +3539,185 @@
           </a:p>
         </p:txBody>
       </p:sp>
+      <p:sp>
+        <p:nvSpPr>
+          <p:cNvPr id="20" name="Rectangle 19">
+            <a:extLst>
+              <a:ext uri="{FF2B5EF4-FFF2-40B4-BE49-F238E27FC236}">
+                <a16:creationId xmlns:a16="http://schemas.microsoft.com/office/drawing/2014/main" id="{A99A1CA2-B61B-A174-1DE5-BD67EA70CE16}"/>
+              </a:ext>
+            </a:extLst>
+          </p:cNvPr>
+          <p:cNvSpPr/>
+          <p:nvPr/>
+        </p:nvSpPr>
+        <p:spPr>
+          <a:xfrm>
+            <a:off x="7722089" y="1211063"/>
+            <a:ext cx="1411550" cy="745724"/>
+          </a:xfrm>
+          <a:prstGeom prst="rect">
+            <a:avLst/>
+          </a:prstGeom>
+          <a:solidFill>
+            <a:schemeClr val="accent1"/>
+          </a:solidFill>
+        </p:spPr>
+        <p:style>
+          <a:lnRef idx="2">
+            <a:schemeClr val="accent1">
+              <a:shade val="50000"/>
+            </a:schemeClr>
+          </a:lnRef>
+          <a:fillRef idx="1">
+            <a:schemeClr val="accent1"/>
+          </a:fillRef>
+          <a:effectRef idx="0">
+            <a:schemeClr val="accent1"/>
+          </a:effectRef>
+          <a:fontRef idx="minor">
+            <a:schemeClr val="lt1"/>
+          </a:fontRef>
+        </p:style>
+        <p:txBody>
+          <a:bodyPr rtlCol="0" anchor="ctr"/>
+          <a:lstStyle/>
+          <a:p>
+            <a:pPr algn="ctr"/>
+            <a:r>
+              <a:rPr lang="en-US" dirty="0"/>
+              <a:t>Profile</a:t>
+            </a:r>
+          </a:p>
+        </p:txBody>
+      </p:sp>
+      <p:cxnSp>
+        <p:nvCxnSpPr>
+          <p:cNvPr id="22" name="Straight Arrow Connector 21">
+            <a:extLst>
+              <a:ext uri="{FF2B5EF4-FFF2-40B4-BE49-F238E27FC236}">
+                <a16:creationId xmlns:a16="http://schemas.microsoft.com/office/drawing/2014/main" id="{239493D2-6946-64C6-371D-353AB4463D04}"/>
+              </a:ext>
+            </a:extLst>
+          </p:cNvPr>
+          <p:cNvCxnSpPr>
+            <a:cxnSpLocks/>
+            <a:stCxn id="2" idx="3"/>
+            <a:endCxn id="20" idx="2"/>
+          </p:cNvCxnSpPr>
+          <p:nvPr/>
+        </p:nvCxnSpPr>
+        <p:spPr>
+          <a:xfrm flipV="1">
+            <a:off x="7153918" y="1956787"/>
+            <a:ext cx="1273946" cy="1099351"/>
+          </a:xfrm>
+          <a:prstGeom prst="straightConnector1">
+            <a:avLst/>
+          </a:prstGeom>
+          <a:ln>
+            <a:tailEnd type="triangle"/>
+          </a:ln>
+        </p:spPr>
+        <p:style>
+          <a:lnRef idx="1">
+            <a:schemeClr val="accent4"/>
+          </a:lnRef>
+          <a:fillRef idx="0">
+            <a:schemeClr val="accent4"/>
+          </a:fillRef>
+          <a:effectRef idx="0">
+            <a:schemeClr val="accent4"/>
+          </a:effectRef>
+          <a:fontRef idx="minor">
+            <a:schemeClr val="tx1"/>
+          </a:fontRef>
+        </p:style>
+      </p:cxnSp>
+      <p:cxnSp>
+        <p:nvCxnSpPr>
+          <p:cNvPr id="37" name="Straight Arrow Connector 36">
+            <a:extLst>
+              <a:ext uri="{FF2B5EF4-FFF2-40B4-BE49-F238E27FC236}">
+                <a16:creationId xmlns:a16="http://schemas.microsoft.com/office/drawing/2014/main" id="{BD6BA8FD-2ACD-3658-2D71-69E348AEF0ED}"/>
+              </a:ext>
+            </a:extLst>
+          </p:cNvPr>
+          <p:cNvCxnSpPr>
+            <a:stCxn id="58" idx="3"/>
+            <a:endCxn id="3" idx="1"/>
+          </p:cNvCxnSpPr>
+          <p:nvPr/>
+        </p:nvCxnSpPr>
+        <p:spPr>
+          <a:xfrm>
+            <a:off x="2663301" y="3056138"/>
+            <a:ext cx="833758" cy="0"/>
+          </a:xfrm>
+          <a:prstGeom prst="straightConnector1">
+            <a:avLst/>
+          </a:prstGeom>
+          <a:ln>
+            <a:tailEnd type="triangle"/>
+          </a:ln>
+        </p:spPr>
+        <p:style>
+          <a:lnRef idx="1">
+            <a:schemeClr val="accent4"/>
+          </a:lnRef>
+          <a:fillRef idx="0">
+            <a:schemeClr val="accent4"/>
+          </a:fillRef>
+          <a:effectRef idx="0">
+            <a:schemeClr val="accent4"/>
+          </a:effectRef>
+          <a:fontRef idx="minor">
+            <a:schemeClr val="tx1"/>
+          </a:fontRef>
+        </p:style>
+      </p:cxnSp>
+      <p:cxnSp>
+        <p:nvCxnSpPr>
+          <p:cNvPr id="39" name="Straight Arrow Connector 38">
+            <a:extLst>
+              <a:ext uri="{FF2B5EF4-FFF2-40B4-BE49-F238E27FC236}">
+                <a16:creationId xmlns:a16="http://schemas.microsoft.com/office/drawing/2014/main" id="{6BF3BA16-BCCF-BE3C-949E-01E99A04B338}"/>
+              </a:ext>
+            </a:extLst>
+          </p:cNvPr>
+          <p:cNvCxnSpPr>
+            <a:stCxn id="3" idx="3"/>
+            <a:endCxn id="2" idx="1"/>
+          </p:cNvCxnSpPr>
+          <p:nvPr/>
+        </p:nvCxnSpPr>
+        <p:spPr>
+          <a:xfrm>
+            <a:off x="4908609" y="3056138"/>
+            <a:ext cx="833759" cy="0"/>
+          </a:xfrm>
+          <a:prstGeom prst="straightConnector1">
+            <a:avLst/>
+          </a:prstGeom>
+          <a:ln>
+            <a:tailEnd type="triangle"/>
+          </a:ln>
+        </p:spPr>
+        <p:style>
+          <a:lnRef idx="1">
+            <a:schemeClr val="accent4"/>
+          </a:lnRef>
+          <a:fillRef idx="0">
+            <a:schemeClr val="accent4"/>
+          </a:fillRef>
+          <a:effectRef idx="0">
+            <a:schemeClr val="accent4"/>
+          </a:effectRef>
+          <a:fontRef idx="minor">
+            <a:schemeClr val="tx1"/>
+          </a:fontRef>
+        </p:style>
+      </p:cxnSp>
     </p:spTree>
     <p:extLst>
       <p:ext uri="{BB962C8B-B14F-4D97-AF65-F5344CB8AC3E}">
@@ -3928,6 +4027,26 @@
 </file>
 
 <file path=customXml/item1.xml><?xml version="1.0" encoding="utf-8"?>
+<p:properties xmlns:p="http://schemas.microsoft.com/office/2006/metadata/properties" xmlns:xsi="http://www.w3.org/2001/XMLSchema-instance" xmlns:pc="http://schemas.microsoft.com/office/infopath/2007/PartnerControls">
+  <documentManagement>
+    <TaxCatchAll xmlns="7229dbd6-438c-4362-93ee-383715cce5f6" xsi:nil="true"/>
+    <lcf76f155ced4ddcb4097134ff3c332f xmlns="1650ce25-36f5-49d9-a781-e04693d35547">
+      <Terms xmlns="http://schemas.microsoft.com/office/infopath/2007/PartnerControls"/>
+    </lcf76f155ced4ddcb4097134ff3c332f>
+  </documentManagement>
+</p:properties>
+</file>
+
+<file path=customXml/item2.xml><?xml version="1.0" encoding="utf-8"?>
+<?mso-contentType ?>
+<FormTemplates xmlns="http://schemas.microsoft.com/sharepoint/v3/contenttype/forms">
+  <Display>DocumentLibraryForm</Display>
+  <Edit>DocumentLibraryForm</Edit>
+  <New>DocumentLibraryForm</New>
+</FormTemplates>
+</file>
+
+<file path=customXml/item3.xml><?xml version="1.0" encoding="utf-8"?>
 <ct:contentTypeSchema xmlns:ct="http://schemas.microsoft.com/office/2006/metadata/contentType" xmlns:ma="http://schemas.microsoft.com/office/2006/metadata/properties/metaAttributes" ct:_="" ma:_="" ma:contentTypeName="Document" ma:contentTypeID="0x010100CA7B63173061144C8B18657D4B712650" ma:contentTypeVersion="8" ma:contentTypeDescription="Create a new document." ma:contentTypeScope="" ma:versionID="9b1734eea6a4a3ec7015a5d00bb0a1a8">
   <xsd:schema xmlns:xsd="http://www.w3.org/2001/XMLSchema" xmlns:xs="http://www.w3.org/2001/XMLSchema" xmlns:p="http://schemas.microsoft.com/office/2006/metadata/properties" xmlns:ns2="1650ce25-36f5-49d9-a781-e04693d35547" xmlns:ns3="7229dbd6-438c-4362-93ee-383715cce5f6" targetNamespace="http://schemas.microsoft.com/office/2006/metadata/properties" ma:root="true" ma:fieldsID="d550bdb17216edd0d7bdebaf49cc5204" ns2:_="" ns3:_="">
     <xsd:import namespace="1650ce25-36f5-49d9-a781-e04693d35547"/>
@@ -4104,34 +4223,40 @@
 </ct:contentTypeSchema>
 </file>
 
-<file path=customXml/item2.xml><?xml version="1.0" encoding="utf-8"?>
-<?mso-contentType ?>
-<FormTemplates xmlns="http://schemas.microsoft.com/sharepoint/v3/contenttype/forms">
-  <Display>DocumentLibraryForm</Display>
-  <Edit>DocumentLibraryForm</Edit>
-  <New>DocumentLibraryForm</New>
-</FormTemplates>
-</file>
-
-<file path=customXml/item3.xml><?xml version="1.0" encoding="utf-8"?>
-<p:properties xmlns:p="http://schemas.microsoft.com/office/2006/metadata/properties" xmlns:xsi="http://www.w3.org/2001/XMLSchema-instance" xmlns:pc="http://schemas.microsoft.com/office/infopath/2007/PartnerControls">
-  <documentManagement>
-    <TaxCatchAll xmlns="7229dbd6-438c-4362-93ee-383715cce5f6" xsi:nil="true"/>
-    <lcf76f155ced4ddcb4097134ff3c332f xmlns="1650ce25-36f5-49d9-a781-e04693d35547">
-      <Terms xmlns="http://schemas.microsoft.com/office/infopath/2007/PartnerControls"/>
-    </lcf76f155ced4ddcb4097134ff3c332f>
-  </documentManagement>
-</p:properties>
-</file>
-
 <file path=customXml/itemProps1.xml><?xml version="1.0" encoding="utf-8"?>
-<ds:datastoreItem xmlns:ds="http://schemas.openxmlformats.org/officeDocument/2006/customXml" ds:itemID="{3CD57EC4-B4EC-4CB2-A27E-F67AC6045EAF}"/>
+<ds:datastoreItem xmlns:ds="http://schemas.openxmlformats.org/officeDocument/2006/customXml" ds:itemID="{D6DC82FF-69FB-41ED-A357-B2452BB5A685}">
+  <ds:schemaRefs>
+    <ds:schemaRef ds:uri="http://schemas.microsoft.com/office/2006/metadata/properties"/>
+    <ds:schemaRef ds:uri="http://schemas.microsoft.com/office/infopath/2007/PartnerControls"/>
+    <ds:schemaRef ds:uri="7229dbd6-438c-4362-93ee-383715cce5f6"/>
+    <ds:schemaRef ds:uri="1650ce25-36f5-49d9-a781-e04693d35547"/>
+  </ds:schemaRefs>
+</ds:datastoreItem>
 </file>
 
 <file path=customXml/itemProps2.xml><?xml version="1.0" encoding="utf-8"?>
-<ds:datastoreItem xmlns:ds="http://schemas.openxmlformats.org/officeDocument/2006/customXml" ds:itemID="{44432FB3-5676-4390-9997-7320D404A8A2}"/>
+<ds:datastoreItem xmlns:ds="http://schemas.openxmlformats.org/officeDocument/2006/customXml" ds:itemID="{44432FB3-5676-4390-9997-7320D404A8A2}">
+  <ds:schemaRefs>
+    <ds:schemaRef ds:uri="http://schemas.microsoft.com/sharepoint/v3/contenttype/forms"/>
+  </ds:schemaRefs>
+</ds:datastoreItem>
 </file>
 
 <file path=customXml/itemProps3.xml><?xml version="1.0" encoding="utf-8"?>
-<ds:datastoreItem xmlns:ds="http://schemas.openxmlformats.org/officeDocument/2006/customXml" ds:itemID="{D6DC82FF-69FB-41ED-A357-B2452BB5A685}"/>
+<ds:datastoreItem xmlns:ds="http://schemas.openxmlformats.org/officeDocument/2006/customXml" ds:itemID="{3CD57EC4-B4EC-4CB2-A27E-F67AC6045EAF}">
+  <ds:schemaRefs>
+    <ds:schemaRef ds:uri="http://schemas.microsoft.com/office/2006/metadata/contentType"/>
+    <ds:schemaRef ds:uri="http://schemas.microsoft.com/office/2006/metadata/properties/metaAttributes"/>
+    <ds:schemaRef ds:uri="http://www.w3.org/2001/XMLSchema"/>
+    <ds:schemaRef ds:uri="http://schemas.microsoft.com/office/2006/metadata/properties"/>
+    <ds:schemaRef ds:uri="1650ce25-36f5-49d9-a781-e04693d35547"/>
+    <ds:schemaRef ds:uri="7229dbd6-438c-4362-93ee-383715cce5f6"/>
+    <ds:schemaRef ds:uri="http://schemas.microsoft.com/office/2006/documentManagement/types"/>
+    <ds:schemaRef ds:uri="http://schemas.microsoft.com/office/infopath/2007/PartnerControls"/>
+    <ds:schemaRef ds:uri="http://schemas.openxmlformats.org/package/2006/metadata/core-properties"/>
+    <ds:schemaRef ds:uri="http://purl.org/dc/elements/1.1/"/>
+    <ds:schemaRef ds:uri="http://purl.org/dc/terms/"/>
+    <ds:schemaRef ds:uri="http://schemas.microsoft.com/internal/obd"/>
+  </ds:schemaRefs>
+</ds:datastoreItem>
 </file>
--- a/ArchitectureDiagram.pptx
+++ b/ArchitectureDiagram.pptx
@@ -6,6 +6,7 @@
   </p:sldMasterIdLst>
   <p:sldIdLst>
     <p:sldId id="256" r:id="rId5"/>
+    <p:sldId id="258" r:id="rId6"/>
   </p:sldIdLst>
   <p:sldSz cx="12192000" cy="6858000"/>
   <p:notesSz cx="6858000" cy="9144000"/>
@@ -3328,58 +3329,6 @@
       </p:grpSpPr>
       <p:sp>
         <p:nvSpPr>
-          <p:cNvPr id="2" name="Rectangle 1">
-            <a:extLst>
-              <a:ext uri="{FF2B5EF4-FFF2-40B4-BE49-F238E27FC236}">
-                <a16:creationId xmlns:a16="http://schemas.microsoft.com/office/drawing/2014/main" id="{A36D247D-5FA0-7479-C309-7F7E43F9AC20}"/>
-              </a:ext>
-            </a:extLst>
-          </p:cNvPr>
-          <p:cNvSpPr/>
-          <p:nvPr/>
-        </p:nvSpPr>
-        <p:spPr>
-          <a:xfrm>
-            <a:off x="5742368" y="2683276"/>
-            <a:ext cx="1411550" cy="745724"/>
-          </a:xfrm>
-          <a:prstGeom prst="rect">
-            <a:avLst/>
-          </a:prstGeom>
-          <a:solidFill>
-            <a:schemeClr val="accent1"/>
-          </a:solidFill>
-        </p:spPr>
-        <p:style>
-          <a:lnRef idx="2">
-            <a:schemeClr val="accent1">
-              <a:shade val="50000"/>
-            </a:schemeClr>
-          </a:lnRef>
-          <a:fillRef idx="1">
-            <a:schemeClr val="accent1"/>
-          </a:fillRef>
-          <a:effectRef idx="0">
-            <a:schemeClr val="accent1"/>
-          </a:effectRef>
-          <a:fontRef idx="minor">
-            <a:schemeClr val="lt1"/>
-          </a:fontRef>
-        </p:style>
-        <p:txBody>
-          <a:bodyPr rtlCol="0" anchor="ctr"/>
-          <a:lstStyle/>
-          <a:p>
-            <a:pPr algn="ctr"/>
-            <a:r>
-              <a:rPr lang="en-US" dirty="0"/>
-              <a:t>Dashboard</a:t>
-            </a:r>
-          </a:p>
-        </p:txBody>
-      </p:sp>
-      <p:sp>
-        <p:nvSpPr>
           <p:cNvPr id="3" name="Rectangle 2">
             <a:extLst>
               <a:ext uri="{FF2B5EF4-FFF2-40B4-BE49-F238E27FC236}">
@@ -3534,7 +3483,387 @@
             <a:pPr algn="ctr"/>
             <a:r>
               <a:rPr lang="en-US" dirty="0"/>
-              <a:t>Starting Web Pages</a:t>
+              <a:t>Starting Web Pages vs. 1</a:t>
+            </a:r>
+          </a:p>
+        </p:txBody>
+      </p:sp>
+      <p:sp>
+        <p:nvSpPr>
+          <p:cNvPr id="20" name="Rectangle 19">
+            <a:extLst>
+              <a:ext uri="{FF2B5EF4-FFF2-40B4-BE49-F238E27FC236}">
+                <a16:creationId xmlns:a16="http://schemas.microsoft.com/office/drawing/2014/main" id="{A99A1CA2-B61B-A174-1DE5-BD67EA70CE16}"/>
+              </a:ext>
+            </a:extLst>
+          </p:cNvPr>
+          <p:cNvSpPr/>
+          <p:nvPr/>
+        </p:nvSpPr>
+        <p:spPr>
+          <a:xfrm>
+            <a:off x="5742367" y="2683276"/>
+            <a:ext cx="1411550" cy="745724"/>
+          </a:xfrm>
+          <a:prstGeom prst="rect">
+            <a:avLst/>
+          </a:prstGeom>
+          <a:solidFill>
+            <a:schemeClr val="accent1"/>
+          </a:solidFill>
+        </p:spPr>
+        <p:style>
+          <a:lnRef idx="2">
+            <a:schemeClr val="accent1">
+              <a:shade val="50000"/>
+            </a:schemeClr>
+          </a:lnRef>
+          <a:fillRef idx="1">
+            <a:schemeClr val="accent1"/>
+          </a:fillRef>
+          <a:effectRef idx="0">
+            <a:schemeClr val="accent1"/>
+          </a:effectRef>
+          <a:fontRef idx="minor">
+            <a:schemeClr val="lt1"/>
+          </a:fontRef>
+        </p:style>
+        <p:txBody>
+          <a:bodyPr rtlCol="0" anchor="ctr"/>
+          <a:lstStyle/>
+          <a:p>
+            <a:pPr algn="ctr"/>
+            <a:r>
+              <a:rPr lang="en-US" dirty="0"/>
+              <a:t>Profile</a:t>
+            </a:r>
+          </a:p>
+        </p:txBody>
+      </p:sp>
+      <p:cxnSp>
+        <p:nvCxnSpPr>
+          <p:cNvPr id="37" name="Straight Arrow Connector 36">
+            <a:extLst>
+              <a:ext uri="{FF2B5EF4-FFF2-40B4-BE49-F238E27FC236}">
+                <a16:creationId xmlns:a16="http://schemas.microsoft.com/office/drawing/2014/main" id="{BD6BA8FD-2ACD-3658-2D71-69E348AEF0ED}"/>
+              </a:ext>
+            </a:extLst>
+          </p:cNvPr>
+          <p:cNvCxnSpPr>
+            <a:stCxn id="58" idx="3"/>
+            <a:endCxn id="3" idx="1"/>
+          </p:cNvCxnSpPr>
+          <p:nvPr/>
+        </p:nvCxnSpPr>
+        <p:spPr>
+          <a:xfrm>
+            <a:off x="2663301" y="3056138"/>
+            <a:ext cx="833758" cy="0"/>
+          </a:xfrm>
+          <a:prstGeom prst="straightConnector1">
+            <a:avLst/>
+          </a:prstGeom>
+          <a:ln>
+            <a:tailEnd type="triangle"/>
+          </a:ln>
+        </p:spPr>
+        <p:style>
+          <a:lnRef idx="1">
+            <a:schemeClr val="accent4"/>
+          </a:lnRef>
+          <a:fillRef idx="0">
+            <a:schemeClr val="accent4"/>
+          </a:fillRef>
+          <a:effectRef idx="0">
+            <a:schemeClr val="accent4"/>
+          </a:effectRef>
+          <a:fontRef idx="minor">
+            <a:schemeClr val="tx1"/>
+          </a:fontRef>
+        </p:style>
+      </p:cxnSp>
+      <p:cxnSp>
+        <p:nvCxnSpPr>
+          <p:cNvPr id="39" name="Straight Arrow Connector 38">
+            <a:extLst>
+              <a:ext uri="{FF2B5EF4-FFF2-40B4-BE49-F238E27FC236}">
+                <a16:creationId xmlns:a16="http://schemas.microsoft.com/office/drawing/2014/main" id="{6BF3BA16-BCCF-BE3C-949E-01E99A04B338}"/>
+              </a:ext>
+            </a:extLst>
+          </p:cNvPr>
+          <p:cNvCxnSpPr>
+            <a:cxnSpLocks/>
+            <a:stCxn id="3" idx="3"/>
+            <a:endCxn id="20" idx="1"/>
+          </p:cNvCxnSpPr>
+          <p:nvPr/>
+        </p:nvCxnSpPr>
+        <p:spPr>
+          <a:xfrm>
+            <a:off x="4908609" y="3056138"/>
+            <a:ext cx="833758" cy="0"/>
+          </a:xfrm>
+          <a:prstGeom prst="straightConnector1">
+            <a:avLst/>
+          </a:prstGeom>
+          <a:ln>
+            <a:tailEnd type="triangle"/>
+          </a:ln>
+        </p:spPr>
+        <p:style>
+          <a:lnRef idx="1">
+            <a:schemeClr val="accent4"/>
+          </a:lnRef>
+          <a:fillRef idx="0">
+            <a:schemeClr val="accent4"/>
+          </a:fillRef>
+          <a:effectRef idx="0">
+            <a:schemeClr val="accent4"/>
+          </a:effectRef>
+          <a:fontRef idx="minor">
+            <a:schemeClr val="tx1"/>
+          </a:fontRef>
+        </p:style>
+      </p:cxnSp>
+    </p:spTree>
+    <p:extLst>
+      <p:ext uri="{BB962C8B-B14F-4D97-AF65-F5344CB8AC3E}">
+        <p14:creationId xmlns:p14="http://schemas.microsoft.com/office/powerpoint/2010/main" val="2924750595"/>
+      </p:ext>
+    </p:extLst>
+  </p:cSld>
+  <p:clrMapOvr>
+    <a:masterClrMapping/>
+  </p:clrMapOvr>
+</p:sld>
+</file>
+
+<file path=ppt/slides/slide2.xml><?xml version="1.0" encoding="utf-8"?>
+<p:sld xmlns:a="http://schemas.openxmlformats.org/drawingml/2006/main" xmlns:r="http://schemas.openxmlformats.org/officeDocument/2006/relationships" xmlns:p="http://schemas.openxmlformats.org/presentationml/2006/main" show="0">
+  <p:cSld>
+    <p:spTree>
+      <p:nvGrpSpPr>
+        <p:cNvPr id="1" name=""/>
+        <p:cNvGrpSpPr/>
+        <p:nvPr/>
+      </p:nvGrpSpPr>
+      <p:grpSpPr>
+        <a:xfrm>
+          <a:off x="0" y="0"/>
+          <a:ext cx="0" cy="0"/>
+          <a:chOff x="0" y="0"/>
+          <a:chExt cx="0" cy="0"/>
+        </a:xfrm>
+      </p:grpSpPr>
+      <p:sp>
+        <p:nvSpPr>
+          <p:cNvPr id="2" name="Rectangle 1">
+            <a:extLst>
+              <a:ext uri="{FF2B5EF4-FFF2-40B4-BE49-F238E27FC236}">
+                <a16:creationId xmlns:a16="http://schemas.microsoft.com/office/drawing/2014/main" id="{A36D247D-5FA0-7479-C309-7F7E43F9AC20}"/>
+              </a:ext>
+            </a:extLst>
+          </p:cNvPr>
+          <p:cNvSpPr/>
+          <p:nvPr/>
+        </p:nvSpPr>
+        <p:spPr>
+          <a:xfrm>
+            <a:off x="5742368" y="2683276"/>
+            <a:ext cx="1411550" cy="745724"/>
+          </a:xfrm>
+          <a:prstGeom prst="rect">
+            <a:avLst/>
+          </a:prstGeom>
+          <a:solidFill>
+            <a:schemeClr val="accent1"/>
+          </a:solidFill>
+        </p:spPr>
+        <p:style>
+          <a:lnRef idx="2">
+            <a:schemeClr val="accent1">
+              <a:shade val="50000"/>
+            </a:schemeClr>
+          </a:lnRef>
+          <a:fillRef idx="1">
+            <a:schemeClr val="accent1"/>
+          </a:fillRef>
+          <a:effectRef idx="0">
+            <a:schemeClr val="accent1"/>
+          </a:effectRef>
+          <a:fontRef idx="minor">
+            <a:schemeClr val="lt1"/>
+          </a:fontRef>
+        </p:style>
+        <p:txBody>
+          <a:bodyPr rtlCol="0" anchor="ctr"/>
+          <a:lstStyle/>
+          <a:p>
+            <a:pPr algn="ctr"/>
+            <a:r>
+              <a:rPr lang="en-US" dirty="0"/>
+              <a:t>Dashboard</a:t>
+            </a:r>
+          </a:p>
+        </p:txBody>
+      </p:sp>
+      <p:sp>
+        <p:nvSpPr>
+          <p:cNvPr id="3" name="Rectangle 2">
+            <a:extLst>
+              <a:ext uri="{FF2B5EF4-FFF2-40B4-BE49-F238E27FC236}">
+                <a16:creationId xmlns:a16="http://schemas.microsoft.com/office/drawing/2014/main" id="{629EF44A-A9AC-E92C-8C94-6F341B4529BF}"/>
+              </a:ext>
+            </a:extLst>
+          </p:cNvPr>
+          <p:cNvSpPr/>
+          <p:nvPr/>
+        </p:nvSpPr>
+        <p:spPr>
+          <a:xfrm>
+            <a:off x="3497059" y="2683276"/>
+            <a:ext cx="1411550" cy="745724"/>
+          </a:xfrm>
+          <a:prstGeom prst="rect">
+            <a:avLst/>
+          </a:prstGeom>
+          <a:solidFill>
+            <a:schemeClr val="accent1"/>
+          </a:solidFill>
+        </p:spPr>
+        <p:style>
+          <a:lnRef idx="2">
+            <a:schemeClr val="accent1">
+              <a:shade val="50000"/>
+            </a:schemeClr>
+          </a:lnRef>
+          <a:fillRef idx="1">
+            <a:schemeClr val="accent1"/>
+          </a:fillRef>
+          <a:effectRef idx="0">
+            <a:schemeClr val="accent1"/>
+          </a:effectRef>
+          <a:fontRef idx="minor">
+            <a:schemeClr val="lt1"/>
+          </a:fontRef>
+        </p:style>
+        <p:txBody>
+          <a:bodyPr rtlCol="0" anchor="ctr"/>
+          <a:lstStyle/>
+          <a:p>
+            <a:pPr algn="ctr"/>
+            <a:r>
+              <a:rPr lang="en-US" dirty="0"/>
+              <a:t>Log-in</a:t>
+            </a:r>
+          </a:p>
+        </p:txBody>
+      </p:sp>
+      <p:sp>
+        <p:nvSpPr>
+          <p:cNvPr id="58" name="Rectangle 57">
+            <a:extLst>
+              <a:ext uri="{FF2B5EF4-FFF2-40B4-BE49-F238E27FC236}">
+                <a16:creationId xmlns:a16="http://schemas.microsoft.com/office/drawing/2014/main" id="{6545BBA5-BF56-AA53-6BA0-C37FB170C5AF}"/>
+              </a:ext>
+            </a:extLst>
+          </p:cNvPr>
+          <p:cNvSpPr/>
+          <p:nvPr/>
+        </p:nvSpPr>
+        <p:spPr>
+          <a:xfrm>
+            <a:off x="1251751" y="2683276"/>
+            <a:ext cx="1411550" cy="745724"/>
+          </a:xfrm>
+          <a:prstGeom prst="rect">
+            <a:avLst/>
+          </a:prstGeom>
+          <a:solidFill>
+            <a:schemeClr val="accent1"/>
+          </a:solidFill>
+        </p:spPr>
+        <p:style>
+          <a:lnRef idx="2">
+            <a:schemeClr val="accent1">
+              <a:shade val="50000"/>
+            </a:schemeClr>
+          </a:lnRef>
+          <a:fillRef idx="1">
+            <a:schemeClr val="accent1"/>
+          </a:fillRef>
+          <a:effectRef idx="0">
+            <a:schemeClr val="accent1"/>
+          </a:effectRef>
+          <a:fontRef idx="minor">
+            <a:schemeClr val="lt1"/>
+          </a:fontRef>
+        </p:style>
+        <p:txBody>
+          <a:bodyPr rtlCol="0" anchor="ctr"/>
+          <a:lstStyle/>
+          <a:p>
+            <a:pPr algn="ctr"/>
+            <a:r>
+              <a:rPr lang="en-US" dirty="0"/>
+              <a:t>Sign-up</a:t>
+            </a:r>
+          </a:p>
+        </p:txBody>
+      </p:sp>
+      <p:sp>
+        <p:nvSpPr>
+          <p:cNvPr id="81" name="Rectangle 80">
+            <a:extLst>
+              <a:ext uri="{FF2B5EF4-FFF2-40B4-BE49-F238E27FC236}">
+                <a16:creationId xmlns:a16="http://schemas.microsoft.com/office/drawing/2014/main" id="{57CF23B8-490D-3A00-2269-CC7C4D268007}"/>
+              </a:ext>
+            </a:extLst>
+          </p:cNvPr>
+          <p:cNvSpPr/>
+          <p:nvPr/>
+        </p:nvSpPr>
+        <p:spPr>
+          <a:xfrm>
+            <a:off x="0" y="0"/>
+            <a:ext cx="5467908" cy="501589"/>
+          </a:xfrm>
+          <a:prstGeom prst="rect">
+            <a:avLst/>
+          </a:prstGeom>
+          <a:solidFill>
+            <a:schemeClr val="accent6"/>
+          </a:solidFill>
+          <a:ln>
+            <a:solidFill>
+              <a:schemeClr val="accent1"/>
+            </a:solidFill>
+          </a:ln>
+        </p:spPr>
+        <p:style>
+          <a:lnRef idx="2">
+            <a:schemeClr val="accent1">
+              <a:shade val="50000"/>
+            </a:schemeClr>
+          </a:lnRef>
+          <a:fillRef idx="1">
+            <a:schemeClr val="accent1"/>
+          </a:fillRef>
+          <a:effectRef idx="0">
+            <a:schemeClr val="accent1"/>
+          </a:effectRef>
+          <a:fontRef idx="minor">
+            <a:schemeClr val="lt1"/>
+          </a:fontRef>
+        </p:style>
+        <p:txBody>
+          <a:bodyPr rtlCol="0" anchor="ctr"/>
+          <a:lstStyle/>
+          <a:p>
+            <a:pPr algn="ctr"/>
+            <a:r>
+              <a:rPr lang="en-US" dirty="0"/>
+              <a:t>Starting Web Pages vs. 2</a:t>
             </a:r>
           </a:p>
         </p:txBody>
@@ -3686,6 +4015,7 @@
             </a:extLst>
           </p:cNvPr>
           <p:cNvCxnSpPr>
+            <a:cxnSpLocks/>
             <a:stCxn id="3" idx="3"/>
             <a:endCxn id="2" idx="1"/>
           </p:cNvCxnSpPr>
@@ -3721,7 +4051,7 @@
     </p:spTree>
     <p:extLst>
       <p:ext uri="{BB962C8B-B14F-4D97-AF65-F5344CB8AC3E}">
-        <p14:creationId xmlns:p14="http://schemas.microsoft.com/office/powerpoint/2010/main" val="2924750595"/>
+        <p14:creationId xmlns:p14="http://schemas.microsoft.com/office/powerpoint/2010/main" val="1805609580"/>
       </p:ext>
     </p:extLst>
   </p:cSld>
@@ -4027,26 +4357,6 @@
 </file>
 
 <file path=customXml/item1.xml><?xml version="1.0" encoding="utf-8"?>
-<p:properties xmlns:p="http://schemas.microsoft.com/office/2006/metadata/properties" xmlns:xsi="http://www.w3.org/2001/XMLSchema-instance" xmlns:pc="http://schemas.microsoft.com/office/infopath/2007/PartnerControls">
-  <documentManagement>
-    <TaxCatchAll xmlns="7229dbd6-438c-4362-93ee-383715cce5f6" xsi:nil="true"/>
-    <lcf76f155ced4ddcb4097134ff3c332f xmlns="1650ce25-36f5-49d9-a781-e04693d35547">
-      <Terms xmlns="http://schemas.microsoft.com/office/infopath/2007/PartnerControls"/>
-    </lcf76f155ced4ddcb4097134ff3c332f>
-  </documentManagement>
-</p:properties>
-</file>
-
-<file path=customXml/item2.xml><?xml version="1.0" encoding="utf-8"?>
-<?mso-contentType ?>
-<FormTemplates xmlns="http://schemas.microsoft.com/sharepoint/v3/contenttype/forms">
-  <Display>DocumentLibraryForm</Display>
-  <Edit>DocumentLibraryForm</Edit>
-  <New>DocumentLibraryForm</New>
-</FormTemplates>
-</file>
-
-<file path=customXml/item3.xml><?xml version="1.0" encoding="utf-8"?>
 <ct:contentTypeSchema xmlns:ct="http://schemas.microsoft.com/office/2006/metadata/contentType" xmlns:ma="http://schemas.microsoft.com/office/2006/metadata/properties/metaAttributes" ct:_="" ma:_="" ma:contentTypeName="Document" ma:contentTypeID="0x010100CA7B63173061144C8B18657D4B712650" ma:contentTypeVersion="8" ma:contentTypeDescription="Create a new document." ma:contentTypeScope="" ma:versionID="9b1734eea6a4a3ec7015a5d00bb0a1a8">
   <xsd:schema xmlns:xsd="http://www.w3.org/2001/XMLSchema" xmlns:xs="http://www.w3.org/2001/XMLSchema" xmlns:p="http://schemas.microsoft.com/office/2006/metadata/properties" xmlns:ns2="1650ce25-36f5-49d9-a781-e04693d35547" xmlns:ns3="7229dbd6-438c-4362-93ee-383715cce5f6" targetNamespace="http://schemas.microsoft.com/office/2006/metadata/properties" ma:root="true" ma:fieldsID="d550bdb17216edd0d7bdebaf49cc5204" ns2:_="" ns3:_="">
     <xsd:import namespace="1650ce25-36f5-49d9-a781-e04693d35547"/>
@@ -4223,26 +4533,27 @@
 </ct:contentTypeSchema>
 </file>
 
-<file path=customXml/itemProps1.xml><?xml version="1.0" encoding="utf-8"?>
-<ds:datastoreItem xmlns:ds="http://schemas.openxmlformats.org/officeDocument/2006/customXml" ds:itemID="{D6DC82FF-69FB-41ED-A357-B2452BB5A685}">
-  <ds:schemaRefs>
-    <ds:schemaRef ds:uri="http://schemas.microsoft.com/office/2006/metadata/properties"/>
-    <ds:schemaRef ds:uri="http://schemas.microsoft.com/office/infopath/2007/PartnerControls"/>
-    <ds:schemaRef ds:uri="7229dbd6-438c-4362-93ee-383715cce5f6"/>
-    <ds:schemaRef ds:uri="1650ce25-36f5-49d9-a781-e04693d35547"/>
-  </ds:schemaRefs>
-</ds:datastoreItem>
+<file path=customXml/item2.xml><?xml version="1.0" encoding="utf-8"?>
+<?mso-contentType ?>
+<FormTemplates xmlns="http://schemas.microsoft.com/sharepoint/v3/contenttype/forms">
+  <Display>DocumentLibraryForm</Display>
+  <Edit>DocumentLibraryForm</Edit>
+  <New>DocumentLibraryForm</New>
+</FormTemplates>
 </file>
 
-<file path=customXml/itemProps2.xml><?xml version="1.0" encoding="utf-8"?>
-<ds:datastoreItem xmlns:ds="http://schemas.openxmlformats.org/officeDocument/2006/customXml" ds:itemID="{44432FB3-5676-4390-9997-7320D404A8A2}">
-  <ds:schemaRefs>
-    <ds:schemaRef ds:uri="http://schemas.microsoft.com/sharepoint/v3/contenttype/forms"/>
-  </ds:schemaRefs>
-</ds:datastoreItem>
+<file path=customXml/item3.xml><?xml version="1.0" encoding="utf-8"?>
+<p:properties xmlns:p="http://schemas.microsoft.com/office/2006/metadata/properties" xmlns:xsi="http://www.w3.org/2001/XMLSchema-instance" xmlns:pc="http://schemas.microsoft.com/office/infopath/2007/PartnerControls">
+  <documentManagement>
+    <TaxCatchAll xmlns="7229dbd6-438c-4362-93ee-383715cce5f6" xsi:nil="true"/>
+    <lcf76f155ced4ddcb4097134ff3c332f xmlns="1650ce25-36f5-49d9-a781-e04693d35547">
+      <Terms xmlns="http://schemas.microsoft.com/office/infopath/2007/PartnerControls"/>
+    </lcf76f155ced4ddcb4097134ff3c332f>
+  </documentManagement>
+</p:properties>
 </file>
 
-<file path=customXml/itemProps3.xml><?xml version="1.0" encoding="utf-8"?>
+<file path=customXml/itemProps1.xml><?xml version="1.0" encoding="utf-8"?>
 <ds:datastoreItem xmlns:ds="http://schemas.openxmlformats.org/officeDocument/2006/customXml" ds:itemID="{3CD57EC4-B4EC-4CB2-A27E-F67AC6045EAF}">
   <ds:schemaRefs>
     <ds:schemaRef ds:uri="http://schemas.microsoft.com/office/2006/metadata/contentType"/>
@@ -4259,4 +4570,23 @@
     <ds:schemaRef ds:uri="http://schemas.microsoft.com/internal/obd"/>
   </ds:schemaRefs>
 </ds:datastoreItem>
+</file>
+
+<file path=customXml/itemProps2.xml><?xml version="1.0" encoding="utf-8"?>
+<ds:datastoreItem xmlns:ds="http://schemas.openxmlformats.org/officeDocument/2006/customXml" ds:itemID="{44432FB3-5676-4390-9997-7320D404A8A2}">
+  <ds:schemaRefs>
+    <ds:schemaRef ds:uri="http://schemas.microsoft.com/sharepoint/v3/contenttype/forms"/>
+  </ds:schemaRefs>
+</ds:datastoreItem>
+</file>
+
+<file path=customXml/itemProps3.xml><?xml version="1.0" encoding="utf-8"?>
+<ds:datastoreItem xmlns:ds="http://schemas.openxmlformats.org/officeDocument/2006/customXml" ds:itemID="{D6DC82FF-69FB-41ED-A357-B2452BB5A685}">
+  <ds:schemaRefs>
+    <ds:schemaRef ds:uri="http://schemas.microsoft.com/office/2006/metadata/properties"/>
+    <ds:schemaRef ds:uri="http://schemas.microsoft.com/office/infopath/2007/PartnerControls"/>
+    <ds:schemaRef ds:uri="7229dbd6-438c-4362-93ee-383715cce5f6"/>
+    <ds:schemaRef ds:uri="1650ce25-36f5-49d9-a781-e04693d35547"/>
+  </ds:schemaRefs>
+</ds:datastoreItem>
 </file>
--- a/ArchitectureDiagram.pptx
+++ b/ArchitectureDiagram.pptx
@@ -6,7 +6,6 @@
   </p:sldMasterIdLst>
   <p:sldIdLst>
     <p:sldId id="256" r:id="rId5"/>
-    <p:sldId id="258" r:id="rId6"/>
   </p:sldIdLst>
   <p:sldSz cx="12192000" cy="6858000"/>
   <p:notesSz cx="6858000" cy="9144000"/>
@@ -260,7 +259,7 @@
           <a:p>
             <a:fld id="{B216ADAA-AA8D-4913-B3E8-01A1982EC191}" type="datetimeFigureOut">
               <a:rPr lang="en-US" smtClean="0"/>
-              <a:t>10/13/2022</a:t>
+              <a:t>10/18/2022</a:t>
             </a:fld>
             <a:endParaRPr lang="en-US"/>
           </a:p>
@@ -458,7 +457,7 @@
           <a:p>
             <a:fld id="{B216ADAA-AA8D-4913-B3E8-01A1982EC191}" type="datetimeFigureOut">
               <a:rPr lang="en-US" smtClean="0"/>
-              <a:t>10/13/2022</a:t>
+              <a:t>10/18/2022</a:t>
             </a:fld>
             <a:endParaRPr lang="en-US"/>
           </a:p>
@@ -666,7 +665,7 @@
           <a:p>
             <a:fld id="{B216ADAA-AA8D-4913-B3E8-01A1982EC191}" type="datetimeFigureOut">
               <a:rPr lang="en-US" smtClean="0"/>
-              <a:t>10/13/2022</a:t>
+              <a:t>10/18/2022</a:t>
             </a:fld>
             <a:endParaRPr lang="en-US"/>
           </a:p>
@@ -864,7 +863,7 @@
           <a:p>
             <a:fld id="{B216ADAA-AA8D-4913-B3E8-01A1982EC191}" type="datetimeFigureOut">
               <a:rPr lang="en-US" smtClean="0"/>
-              <a:t>10/13/2022</a:t>
+              <a:t>10/18/2022</a:t>
             </a:fld>
             <a:endParaRPr lang="en-US"/>
           </a:p>
@@ -1139,7 +1138,7 @@
           <a:p>
             <a:fld id="{B216ADAA-AA8D-4913-B3E8-01A1982EC191}" type="datetimeFigureOut">
               <a:rPr lang="en-US" smtClean="0"/>
-              <a:t>10/13/2022</a:t>
+              <a:t>10/18/2022</a:t>
             </a:fld>
             <a:endParaRPr lang="en-US"/>
           </a:p>
@@ -1404,7 +1403,7 @@
           <a:p>
             <a:fld id="{B216ADAA-AA8D-4913-B3E8-01A1982EC191}" type="datetimeFigureOut">
               <a:rPr lang="en-US" smtClean="0"/>
-              <a:t>10/13/2022</a:t>
+              <a:t>10/18/2022</a:t>
             </a:fld>
             <a:endParaRPr lang="en-US"/>
           </a:p>
@@ -1816,7 +1815,7 @@
           <a:p>
             <a:fld id="{B216ADAA-AA8D-4913-B3E8-01A1982EC191}" type="datetimeFigureOut">
               <a:rPr lang="en-US" smtClean="0"/>
-              <a:t>10/13/2022</a:t>
+              <a:t>10/18/2022</a:t>
             </a:fld>
             <a:endParaRPr lang="en-US"/>
           </a:p>
@@ -1957,7 +1956,7 @@
           <a:p>
             <a:fld id="{B216ADAA-AA8D-4913-B3E8-01A1982EC191}" type="datetimeFigureOut">
               <a:rPr lang="en-US" smtClean="0"/>
-              <a:t>10/13/2022</a:t>
+              <a:t>10/18/2022</a:t>
             </a:fld>
             <a:endParaRPr lang="en-US"/>
           </a:p>
@@ -2070,7 +2069,7 @@
           <a:p>
             <a:fld id="{B216ADAA-AA8D-4913-B3E8-01A1982EC191}" type="datetimeFigureOut">
               <a:rPr lang="en-US" smtClean="0"/>
-              <a:t>10/13/2022</a:t>
+              <a:t>10/18/2022</a:t>
             </a:fld>
             <a:endParaRPr lang="en-US"/>
           </a:p>
@@ -2381,7 +2380,7 @@
           <a:p>
             <a:fld id="{B216ADAA-AA8D-4913-B3E8-01A1982EC191}" type="datetimeFigureOut">
               <a:rPr lang="en-US" smtClean="0"/>
-              <a:t>10/13/2022</a:t>
+              <a:t>10/18/2022</a:t>
             </a:fld>
             <a:endParaRPr lang="en-US"/>
           </a:p>
@@ -2669,7 +2668,7 @@
           <a:p>
             <a:fld id="{B216ADAA-AA8D-4913-B3E8-01A1982EC191}" type="datetimeFigureOut">
               <a:rPr lang="en-US" smtClean="0"/>
-              <a:t>10/13/2022</a:t>
+              <a:t>10/18/2022</a:t>
             </a:fld>
             <a:endParaRPr lang="en-US"/>
           </a:p>
@@ -2910,7 +2909,7 @@
           <a:p>
             <a:fld id="{B216ADAA-AA8D-4913-B3E8-01A1982EC191}" type="datetimeFigureOut">
               <a:rPr lang="en-US" smtClean="0"/>
-              <a:t>10/13/2022</a:t>
+              <a:t>10/18/2022</a:t>
             </a:fld>
             <a:endParaRPr lang="en-US"/>
           </a:p>
@@ -3341,7 +3340,7 @@
         </p:nvSpPr>
         <p:spPr>
           <a:xfrm>
-            <a:off x="3497059" y="2683276"/>
+            <a:off x="4578432" y="747913"/>
             <a:ext cx="1411550" cy="745724"/>
           </a:xfrm>
           <a:prstGeom prst="rect">
@@ -3393,7 +3392,7 @@
         </p:nvSpPr>
         <p:spPr>
           <a:xfrm>
-            <a:off x="1251751" y="2683276"/>
+            <a:off x="396074" y="747913"/>
             <a:ext cx="1411550" cy="745724"/>
           </a:xfrm>
           <a:prstGeom prst="rect">
@@ -3488,12 +3487,54 @@
           </a:p>
         </p:txBody>
       </p:sp>
-      <p:sp>
-        <p:nvSpPr>
-          <p:cNvPr id="20" name="Rectangle 19">
-            <a:extLst>
-              <a:ext uri="{FF2B5EF4-FFF2-40B4-BE49-F238E27FC236}">
-                <a16:creationId xmlns:a16="http://schemas.microsoft.com/office/drawing/2014/main" id="{A99A1CA2-B61B-A174-1DE5-BD67EA70CE16}"/>
+      <p:cxnSp>
+        <p:nvCxnSpPr>
+          <p:cNvPr id="37" name="Straight Arrow Connector 36">
+            <a:extLst>
+              <a:ext uri="{FF2B5EF4-FFF2-40B4-BE49-F238E27FC236}">
+                <a16:creationId xmlns:a16="http://schemas.microsoft.com/office/drawing/2014/main" id="{BD6BA8FD-2ACD-3658-2D71-69E348AEF0ED}"/>
+              </a:ext>
+            </a:extLst>
+          </p:cNvPr>
+          <p:cNvCxnSpPr>
+            <a:stCxn id="58" idx="3"/>
+            <a:endCxn id="3" idx="1"/>
+          </p:cNvCxnSpPr>
+          <p:nvPr/>
+        </p:nvCxnSpPr>
+        <p:spPr>
+          <a:xfrm>
+            <a:off x="1807624" y="1120775"/>
+            <a:ext cx="2770808" cy="0"/>
+          </a:xfrm>
+          <a:prstGeom prst="straightConnector1">
+            <a:avLst/>
+          </a:prstGeom>
+          <a:ln>
+            <a:tailEnd type="triangle"/>
+          </a:ln>
+        </p:spPr>
+        <p:style>
+          <a:lnRef idx="1">
+            <a:schemeClr val="accent4"/>
+          </a:lnRef>
+          <a:fillRef idx="0">
+            <a:schemeClr val="accent4"/>
+          </a:fillRef>
+          <a:effectRef idx="0">
+            <a:schemeClr val="accent4"/>
+          </a:effectRef>
+          <a:fontRef idx="minor">
+            <a:schemeClr val="tx1"/>
+          </a:fontRef>
+        </p:style>
+      </p:cxnSp>
+      <p:sp>
+        <p:nvSpPr>
+          <p:cNvPr id="18" name="Rectangle 17">
+            <a:extLst>
+              <a:ext uri="{FF2B5EF4-FFF2-40B4-BE49-F238E27FC236}">
+                <a16:creationId xmlns:a16="http://schemas.microsoft.com/office/drawing/2014/main" id="{8A124C8D-1984-FEFF-F22D-5E3692A91B93}"/>
               </a:ext>
             </a:extLst>
           </p:cNvPr>
@@ -3502,7 +3543,7 @@
         </p:nvSpPr>
         <p:spPr>
           <a:xfrm>
-            <a:off x="5742367" y="2683276"/>
+            <a:off x="3754475" y="2688264"/>
             <a:ext cx="1411550" cy="745724"/>
           </a:xfrm>
           <a:prstGeom prst="rect">
@@ -3535,30 +3576,186 @@
             <a:pPr algn="ctr"/>
             <a:r>
               <a:rPr lang="en-US" dirty="0"/>
+              <a:t>Admin Dashboard</a:t>
+            </a:r>
+          </a:p>
+        </p:txBody>
+      </p:sp>
+      <p:sp>
+        <p:nvSpPr>
+          <p:cNvPr id="19" name="Rectangle 18">
+            <a:extLst>
+              <a:ext uri="{FF2B5EF4-FFF2-40B4-BE49-F238E27FC236}">
+                <a16:creationId xmlns:a16="http://schemas.microsoft.com/office/drawing/2014/main" id="{D72C3D94-5505-8FFF-0CF0-6D83CA586DE3}"/>
+              </a:ext>
+            </a:extLst>
+          </p:cNvPr>
+          <p:cNvSpPr/>
+          <p:nvPr/>
+        </p:nvSpPr>
+        <p:spPr>
+          <a:xfrm>
+            <a:off x="6109378" y="2656012"/>
+            <a:ext cx="1411550" cy="745724"/>
+          </a:xfrm>
+          <a:prstGeom prst="rect">
+            <a:avLst/>
+          </a:prstGeom>
+          <a:solidFill>
+            <a:schemeClr val="accent1"/>
+          </a:solidFill>
+        </p:spPr>
+        <p:style>
+          <a:lnRef idx="2">
+            <a:schemeClr val="accent1">
+              <a:shade val="50000"/>
+            </a:schemeClr>
+          </a:lnRef>
+          <a:fillRef idx="1">
+            <a:schemeClr val="accent1"/>
+          </a:fillRef>
+          <a:effectRef idx="0">
+            <a:schemeClr val="accent1"/>
+          </a:effectRef>
+          <a:fontRef idx="minor">
+            <a:schemeClr val="lt1"/>
+          </a:fontRef>
+        </p:style>
+        <p:txBody>
+          <a:bodyPr rtlCol="0" anchor="ctr"/>
+          <a:lstStyle/>
+          <a:p>
+            <a:pPr algn="ctr"/>
+            <a:r>
+              <a:rPr lang="en-US" dirty="0"/>
+              <a:t>Customer Dashboard</a:t>
+            </a:r>
+          </a:p>
+        </p:txBody>
+      </p:sp>
+      <p:sp>
+        <p:nvSpPr>
+          <p:cNvPr id="21" name="Rectangle 20">
+            <a:extLst>
+              <a:ext uri="{FF2B5EF4-FFF2-40B4-BE49-F238E27FC236}">
+                <a16:creationId xmlns:a16="http://schemas.microsoft.com/office/drawing/2014/main" id="{339BD5A9-CB6F-077F-0B68-B58712E3AD58}"/>
+              </a:ext>
+            </a:extLst>
+          </p:cNvPr>
+          <p:cNvSpPr/>
+          <p:nvPr/>
+        </p:nvSpPr>
+        <p:spPr>
+          <a:xfrm>
+            <a:off x="1913986" y="3436564"/>
+            <a:ext cx="1411550" cy="745724"/>
+          </a:xfrm>
+          <a:prstGeom prst="rect">
+            <a:avLst/>
+          </a:prstGeom>
+          <a:solidFill>
+            <a:schemeClr val="accent1"/>
+          </a:solidFill>
+        </p:spPr>
+        <p:style>
+          <a:lnRef idx="2">
+            <a:schemeClr val="accent1">
+              <a:shade val="50000"/>
+            </a:schemeClr>
+          </a:lnRef>
+          <a:fillRef idx="1">
+            <a:schemeClr val="accent1"/>
+          </a:fillRef>
+          <a:effectRef idx="0">
+            <a:schemeClr val="accent1"/>
+          </a:effectRef>
+          <a:fontRef idx="minor">
+            <a:schemeClr val="lt1"/>
+          </a:fontRef>
+        </p:style>
+        <p:txBody>
+          <a:bodyPr rtlCol="0" anchor="ctr"/>
+          <a:lstStyle/>
+          <a:p>
+            <a:pPr algn="ctr"/>
+            <a:r>
+              <a:rPr lang="en-US" dirty="0"/>
               <a:t>Profile</a:t>
+            </a:r>
+          </a:p>
+        </p:txBody>
+      </p:sp>
+      <p:sp>
+        <p:nvSpPr>
+          <p:cNvPr id="22" name="Rectangle 21">
+            <a:extLst>
+              <a:ext uri="{FF2B5EF4-FFF2-40B4-BE49-F238E27FC236}">
+                <a16:creationId xmlns:a16="http://schemas.microsoft.com/office/drawing/2014/main" id="{1E9A1B41-0D18-2BD8-8CFD-ED7DA037F7F7}"/>
+              </a:ext>
+            </a:extLst>
+          </p:cNvPr>
+          <p:cNvSpPr/>
+          <p:nvPr/>
+        </p:nvSpPr>
+        <p:spPr>
+          <a:xfrm>
+            <a:off x="3754475" y="3969240"/>
+            <a:ext cx="1411550" cy="745724"/>
+          </a:xfrm>
+          <a:prstGeom prst="rect">
+            <a:avLst/>
+          </a:prstGeom>
+          <a:solidFill>
+            <a:schemeClr val="accent1"/>
+          </a:solidFill>
+        </p:spPr>
+        <p:style>
+          <a:lnRef idx="2">
+            <a:schemeClr val="accent1">
+              <a:shade val="50000"/>
+            </a:schemeClr>
+          </a:lnRef>
+          <a:fillRef idx="1">
+            <a:schemeClr val="accent1"/>
+          </a:fillRef>
+          <a:effectRef idx="0">
+            <a:schemeClr val="accent1"/>
+          </a:effectRef>
+          <a:fontRef idx="minor">
+            <a:schemeClr val="lt1"/>
+          </a:fontRef>
+        </p:style>
+        <p:txBody>
+          <a:bodyPr rtlCol="0" anchor="ctr"/>
+          <a:lstStyle/>
+          <a:p>
+            <a:pPr algn="ctr"/>
+            <a:r>
+              <a:rPr lang="en-US" dirty="0"/>
+              <a:t>Managing Class View</a:t>
             </a:r>
           </a:p>
         </p:txBody>
       </p:sp>
       <p:cxnSp>
         <p:nvCxnSpPr>
-          <p:cNvPr id="37" name="Straight Arrow Connector 36">
-            <a:extLst>
-              <a:ext uri="{FF2B5EF4-FFF2-40B4-BE49-F238E27FC236}">
-                <a16:creationId xmlns:a16="http://schemas.microsoft.com/office/drawing/2014/main" id="{BD6BA8FD-2ACD-3658-2D71-69E348AEF0ED}"/>
+          <p:cNvPr id="24" name="Straight Arrow Connector 23">
+            <a:extLst>
+              <a:ext uri="{FF2B5EF4-FFF2-40B4-BE49-F238E27FC236}">
+                <a16:creationId xmlns:a16="http://schemas.microsoft.com/office/drawing/2014/main" id="{E9B0D084-95FF-F322-95B4-E897D75A6C88}"/>
               </a:ext>
             </a:extLst>
           </p:cNvPr>
           <p:cNvCxnSpPr>
-            <a:stCxn id="58" idx="3"/>
-            <a:endCxn id="3" idx="1"/>
+            <a:stCxn id="18" idx="1"/>
+            <a:endCxn id="21" idx="3"/>
           </p:cNvCxnSpPr>
           <p:nvPr/>
         </p:nvCxnSpPr>
         <p:spPr>
-          <a:xfrm>
-            <a:off x="2663301" y="3056138"/>
-            <a:ext cx="833758" cy="0"/>
+          <a:xfrm flipH="1">
+            <a:off x="3325536" y="3061126"/>
+            <a:ext cx="428939" cy="748300"/>
           </a:xfrm>
           <a:prstGeom prst="straightConnector1">
             <a:avLst/>
@@ -3584,24 +3781,297 @@
       </p:cxnSp>
       <p:cxnSp>
         <p:nvCxnSpPr>
-          <p:cNvPr id="39" name="Straight Arrow Connector 38">
-            <a:extLst>
-              <a:ext uri="{FF2B5EF4-FFF2-40B4-BE49-F238E27FC236}">
-                <a16:creationId xmlns:a16="http://schemas.microsoft.com/office/drawing/2014/main" id="{6BF3BA16-BCCF-BE3C-949E-01E99A04B338}"/>
+          <p:cNvPr id="26" name="Straight Arrow Connector 25">
+            <a:extLst>
+              <a:ext uri="{FF2B5EF4-FFF2-40B4-BE49-F238E27FC236}">
+                <a16:creationId xmlns:a16="http://schemas.microsoft.com/office/drawing/2014/main" id="{AE100FE1-26B7-CDE5-B438-B8C4F67DB715}"/>
               </a:ext>
             </a:extLst>
           </p:cNvPr>
           <p:cNvCxnSpPr>
-            <a:cxnSpLocks/>
-            <a:stCxn id="3" idx="3"/>
-            <a:endCxn id="20" idx="1"/>
+            <a:stCxn id="18" idx="2"/>
+            <a:endCxn id="22" idx="0"/>
           </p:cNvCxnSpPr>
           <p:nvPr/>
         </p:nvCxnSpPr>
         <p:spPr>
           <a:xfrm>
-            <a:off x="4908609" y="3056138"/>
-            <a:ext cx="833758" cy="0"/>
+            <a:off x="4460250" y="3433988"/>
+            <a:ext cx="0" cy="535252"/>
+          </a:xfrm>
+          <a:prstGeom prst="straightConnector1">
+            <a:avLst/>
+          </a:prstGeom>
+          <a:ln>
+            <a:tailEnd type="triangle"/>
+          </a:ln>
+        </p:spPr>
+        <p:style>
+          <a:lnRef idx="1">
+            <a:schemeClr val="accent4"/>
+          </a:lnRef>
+          <a:fillRef idx="0">
+            <a:schemeClr val="accent4"/>
+          </a:fillRef>
+          <a:effectRef idx="0">
+            <a:schemeClr val="accent4"/>
+          </a:effectRef>
+          <a:fontRef idx="minor">
+            <a:schemeClr val="tx1"/>
+          </a:fontRef>
+        </p:style>
+      </p:cxnSp>
+      <p:sp>
+        <p:nvSpPr>
+          <p:cNvPr id="27" name="Rectangle 26">
+            <a:extLst>
+              <a:ext uri="{FF2B5EF4-FFF2-40B4-BE49-F238E27FC236}">
+                <a16:creationId xmlns:a16="http://schemas.microsoft.com/office/drawing/2014/main" id="{59108C8C-D23F-678F-2408-3039E0367D2A}"/>
+              </a:ext>
+            </a:extLst>
+          </p:cNvPr>
+          <p:cNvSpPr/>
+          <p:nvPr/>
+        </p:nvSpPr>
+        <p:spPr>
+          <a:xfrm>
+            <a:off x="7949867" y="3428348"/>
+            <a:ext cx="1411550" cy="745724"/>
+          </a:xfrm>
+          <a:prstGeom prst="rect">
+            <a:avLst/>
+          </a:prstGeom>
+          <a:solidFill>
+            <a:schemeClr val="accent1"/>
+          </a:solidFill>
+        </p:spPr>
+        <p:style>
+          <a:lnRef idx="2">
+            <a:schemeClr val="accent1">
+              <a:shade val="50000"/>
+            </a:schemeClr>
+          </a:lnRef>
+          <a:fillRef idx="1">
+            <a:schemeClr val="accent1"/>
+          </a:fillRef>
+          <a:effectRef idx="0">
+            <a:schemeClr val="accent1"/>
+          </a:effectRef>
+          <a:fontRef idx="minor">
+            <a:schemeClr val="lt1"/>
+          </a:fontRef>
+        </p:style>
+        <p:txBody>
+          <a:bodyPr rtlCol="0" anchor="ctr"/>
+          <a:lstStyle/>
+          <a:p>
+            <a:pPr algn="ctr"/>
+            <a:r>
+              <a:rPr lang="en-US" dirty="0"/>
+              <a:t>Profile</a:t>
+            </a:r>
+          </a:p>
+        </p:txBody>
+      </p:sp>
+      <p:cxnSp>
+        <p:nvCxnSpPr>
+          <p:cNvPr id="29" name="Straight Arrow Connector 28">
+            <a:extLst>
+              <a:ext uri="{FF2B5EF4-FFF2-40B4-BE49-F238E27FC236}">
+                <a16:creationId xmlns:a16="http://schemas.microsoft.com/office/drawing/2014/main" id="{16CF6F7A-E901-D4FC-EA3D-5425E8CEC466}"/>
+              </a:ext>
+            </a:extLst>
+          </p:cNvPr>
+          <p:cNvCxnSpPr>
+            <a:stCxn id="19" idx="3"/>
+            <a:endCxn id="27" idx="1"/>
+          </p:cNvCxnSpPr>
+          <p:nvPr/>
+        </p:nvCxnSpPr>
+        <p:spPr>
+          <a:xfrm>
+            <a:off x="7520928" y="3028874"/>
+            <a:ext cx="428939" cy="772336"/>
+          </a:xfrm>
+          <a:prstGeom prst="straightConnector1">
+            <a:avLst/>
+          </a:prstGeom>
+          <a:ln>
+            <a:tailEnd type="triangle"/>
+          </a:ln>
+        </p:spPr>
+        <p:style>
+          <a:lnRef idx="1">
+            <a:schemeClr val="accent4"/>
+          </a:lnRef>
+          <a:fillRef idx="0">
+            <a:schemeClr val="accent4"/>
+          </a:fillRef>
+          <a:effectRef idx="0">
+            <a:schemeClr val="accent4"/>
+          </a:effectRef>
+          <a:fontRef idx="minor">
+            <a:schemeClr val="tx1"/>
+          </a:fontRef>
+        </p:style>
+      </p:cxnSp>
+      <p:sp>
+        <p:nvSpPr>
+          <p:cNvPr id="30" name="Rectangle 29">
+            <a:extLst>
+              <a:ext uri="{FF2B5EF4-FFF2-40B4-BE49-F238E27FC236}">
+                <a16:creationId xmlns:a16="http://schemas.microsoft.com/office/drawing/2014/main" id="{B2113A6F-DDBB-7BEF-BA67-A5757AFCFFBF}"/>
+              </a:ext>
+            </a:extLst>
+          </p:cNvPr>
+          <p:cNvSpPr/>
+          <p:nvPr/>
+        </p:nvSpPr>
+        <p:spPr>
+          <a:xfrm>
+            <a:off x="6096000" y="3969240"/>
+            <a:ext cx="1411550" cy="745724"/>
+          </a:xfrm>
+          <a:prstGeom prst="rect">
+            <a:avLst/>
+          </a:prstGeom>
+          <a:solidFill>
+            <a:schemeClr val="accent1"/>
+          </a:solidFill>
+        </p:spPr>
+        <p:style>
+          <a:lnRef idx="2">
+            <a:schemeClr val="accent1">
+              <a:shade val="50000"/>
+            </a:schemeClr>
+          </a:lnRef>
+          <a:fillRef idx="1">
+            <a:schemeClr val="accent1"/>
+          </a:fillRef>
+          <a:effectRef idx="0">
+            <a:schemeClr val="accent1"/>
+          </a:effectRef>
+          <a:fontRef idx="minor">
+            <a:schemeClr val="lt1"/>
+          </a:fontRef>
+        </p:style>
+        <p:txBody>
+          <a:bodyPr rtlCol="0" anchor="ctr"/>
+          <a:lstStyle/>
+          <a:p>
+            <a:pPr algn="ctr"/>
+            <a:r>
+              <a:rPr lang="en-US" dirty="0"/>
+              <a:t>Class View</a:t>
+            </a:r>
+          </a:p>
+        </p:txBody>
+      </p:sp>
+      <p:cxnSp>
+        <p:nvCxnSpPr>
+          <p:cNvPr id="32" name="Straight Arrow Connector 31">
+            <a:extLst>
+              <a:ext uri="{FF2B5EF4-FFF2-40B4-BE49-F238E27FC236}">
+                <a16:creationId xmlns:a16="http://schemas.microsoft.com/office/drawing/2014/main" id="{BE4A017A-31BB-49B5-E0F8-14A965B87DA9}"/>
+              </a:ext>
+            </a:extLst>
+          </p:cNvPr>
+          <p:cNvCxnSpPr>
+            <a:stCxn id="19" idx="2"/>
+            <a:endCxn id="30" idx="0"/>
+          </p:cNvCxnSpPr>
+          <p:nvPr/>
+        </p:nvCxnSpPr>
+        <p:spPr>
+          <a:xfrm flipH="1">
+            <a:off x="6801775" y="3401736"/>
+            <a:ext cx="13378" cy="567504"/>
+          </a:xfrm>
+          <a:prstGeom prst="straightConnector1">
+            <a:avLst/>
+          </a:prstGeom>
+          <a:ln>
+            <a:tailEnd type="triangle"/>
+          </a:ln>
+        </p:spPr>
+        <p:style>
+          <a:lnRef idx="1">
+            <a:schemeClr val="accent4"/>
+          </a:lnRef>
+          <a:fillRef idx="0">
+            <a:schemeClr val="accent4"/>
+          </a:fillRef>
+          <a:effectRef idx="0">
+            <a:schemeClr val="accent4"/>
+          </a:effectRef>
+          <a:fontRef idx="minor">
+            <a:schemeClr val="tx1"/>
+          </a:fontRef>
+        </p:style>
+      </p:cxnSp>
+      <p:cxnSp>
+        <p:nvCxnSpPr>
+          <p:cNvPr id="43" name="Straight Arrow Connector 42">
+            <a:extLst>
+              <a:ext uri="{FF2B5EF4-FFF2-40B4-BE49-F238E27FC236}">
+                <a16:creationId xmlns:a16="http://schemas.microsoft.com/office/drawing/2014/main" id="{8BD896C2-2A76-EE48-9115-B312E7B7790C}"/>
+              </a:ext>
+            </a:extLst>
+          </p:cNvPr>
+          <p:cNvCxnSpPr>
+            <a:cxnSpLocks/>
+            <a:stCxn id="3" idx="2"/>
+            <a:endCxn id="18" idx="0"/>
+          </p:cNvCxnSpPr>
+          <p:nvPr/>
+        </p:nvCxnSpPr>
+        <p:spPr>
+          <a:xfrm flipH="1">
+            <a:off x="4460250" y="1493637"/>
+            <a:ext cx="823957" cy="1194627"/>
+          </a:xfrm>
+          <a:prstGeom prst="straightConnector1">
+            <a:avLst/>
+          </a:prstGeom>
+          <a:ln>
+            <a:tailEnd type="triangle"/>
+          </a:ln>
+        </p:spPr>
+        <p:style>
+          <a:lnRef idx="1">
+            <a:schemeClr val="accent4"/>
+          </a:lnRef>
+          <a:fillRef idx="0">
+            <a:schemeClr val="accent4"/>
+          </a:fillRef>
+          <a:effectRef idx="0">
+            <a:schemeClr val="accent4"/>
+          </a:effectRef>
+          <a:fontRef idx="minor">
+            <a:schemeClr val="tx1"/>
+          </a:fontRef>
+        </p:style>
+      </p:cxnSp>
+      <p:cxnSp>
+        <p:nvCxnSpPr>
+          <p:cNvPr id="45" name="Straight Arrow Connector 44">
+            <a:extLst>
+              <a:ext uri="{FF2B5EF4-FFF2-40B4-BE49-F238E27FC236}">
+                <a16:creationId xmlns:a16="http://schemas.microsoft.com/office/drawing/2014/main" id="{807DAAEC-825A-25D1-ACE6-48B9E0639DE0}"/>
+              </a:ext>
+            </a:extLst>
+          </p:cNvPr>
+          <p:cNvCxnSpPr>
+            <a:cxnSpLocks/>
+            <a:stCxn id="3" idx="2"/>
+            <a:endCxn id="19" idx="0"/>
+          </p:cNvCxnSpPr>
+          <p:nvPr/>
+        </p:nvCxnSpPr>
+        <p:spPr>
+          <a:xfrm>
+            <a:off x="5284207" y="1493637"/>
+            <a:ext cx="1530946" cy="1162375"/>
           </a:xfrm>
           <a:prstGeom prst="straightConnector1">
             <a:avLst/>
@@ -3629,429 +4099,6 @@
     <p:extLst>
       <p:ext uri="{BB962C8B-B14F-4D97-AF65-F5344CB8AC3E}">
         <p14:creationId xmlns:p14="http://schemas.microsoft.com/office/powerpoint/2010/main" val="2924750595"/>
-      </p:ext>
-    </p:extLst>
-  </p:cSld>
-  <p:clrMapOvr>
-    <a:masterClrMapping/>
-  </p:clrMapOvr>
-</p:sld>
-</file>
-
-<file path=ppt/slides/slide2.xml><?xml version="1.0" encoding="utf-8"?>
-<p:sld xmlns:a="http://schemas.openxmlformats.org/drawingml/2006/main" xmlns:r="http://schemas.openxmlformats.org/officeDocument/2006/relationships" xmlns:p="http://schemas.openxmlformats.org/presentationml/2006/main" show="0">
-  <p:cSld>
-    <p:spTree>
-      <p:nvGrpSpPr>
-        <p:cNvPr id="1" name=""/>
-        <p:cNvGrpSpPr/>
-        <p:nvPr/>
-      </p:nvGrpSpPr>
-      <p:grpSpPr>
-        <a:xfrm>
-          <a:off x="0" y="0"/>
-          <a:ext cx="0" cy="0"/>
-          <a:chOff x="0" y="0"/>
-          <a:chExt cx="0" cy="0"/>
-        </a:xfrm>
-      </p:grpSpPr>
-      <p:sp>
-        <p:nvSpPr>
-          <p:cNvPr id="2" name="Rectangle 1">
-            <a:extLst>
-              <a:ext uri="{FF2B5EF4-FFF2-40B4-BE49-F238E27FC236}">
-                <a16:creationId xmlns:a16="http://schemas.microsoft.com/office/drawing/2014/main" id="{A36D247D-5FA0-7479-C309-7F7E43F9AC20}"/>
-              </a:ext>
-            </a:extLst>
-          </p:cNvPr>
-          <p:cNvSpPr/>
-          <p:nvPr/>
-        </p:nvSpPr>
-        <p:spPr>
-          <a:xfrm>
-            <a:off x="5742368" y="2683276"/>
-            <a:ext cx="1411550" cy="745724"/>
-          </a:xfrm>
-          <a:prstGeom prst="rect">
-            <a:avLst/>
-          </a:prstGeom>
-          <a:solidFill>
-            <a:schemeClr val="accent1"/>
-          </a:solidFill>
-        </p:spPr>
-        <p:style>
-          <a:lnRef idx="2">
-            <a:schemeClr val="accent1">
-              <a:shade val="50000"/>
-            </a:schemeClr>
-          </a:lnRef>
-          <a:fillRef idx="1">
-            <a:schemeClr val="accent1"/>
-          </a:fillRef>
-          <a:effectRef idx="0">
-            <a:schemeClr val="accent1"/>
-          </a:effectRef>
-          <a:fontRef idx="minor">
-            <a:schemeClr val="lt1"/>
-          </a:fontRef>
-        </p:style>
-        <p:txBody>
-          <a:bodyPr rtlCol="0" anchor="ctr"/>
-          <a:lstStyle/>
-          <a:p>
-            <a:pPr algn="ctr"/>
-            <a:r>
-              <a:rPr lang="en-US" dirty="0"/>
-              <a:t>Dashboard</a:t>
-            </a:r>
-          </a:p>
-        </p:txBody>
-      </p:sp>
-      <p:sp>
-        <p:nvSpPr>
-          <p:cNvPr id="3" name="Rectangle 2">
-            <a:extLst>
-              <a:ext uri="{FF2B5EF4-FFF2-40B4-BE49-F238E27FC236}">
-                <a16:creationId xmlns:a16="http://schemas.microsoft.com/office/drawing/2014/main" id="{629EF44A-A9AC-E92C-8C94-6F341B4529BF}"/>
-              </a:ext>
-            </a:extLst>
-          </p:cNvPr>
-          <p:cNvSpPr/>
-          <p:nvPr/>
-        </p:nvSpPr>
-        <p:spPr>
-          <a:xfrm>
-            <a:off x="3497059" y="2683276"/>
-            <a:ext cx="1411550" cy="745724"/>
-          </a:xfrm>
-          <a:prstGeom prst="rect">
-            <a:avLst/>
-          </a:prstGeom>
-          <a:solidFill>
-            <a:schemeClr val="accent1"/>
-          </a:solidFill>
-        </p:spPr>
-        <p:style>
-          <a:lnRef idx="2">
-            <a:schemeClr val="accent1">
-              <a:shade val="50000"/>
-            </a:schemeClr>
-          </a:lnRef>
-          <a:fillRef idx="1">
-            <a:schemeClr val="accent1"/>
-          </a:fillRef>
-          <a:effectRef idx="0">
-            <a:schemeClr val="accent1"/>
-          </a:effectRef>
-          <a:fontRef idx="minor">
-            <a:schemeClr val="lt1"/>
-          </a:fontRef>
-        </p:style>
-        <p:txBody>
-          <a:bodyPr rtlCol="0" anchor="ctr"/>
-          <a:lstStyle/>
-          <a:p>
-            <a:pPr algn="ctr"/>
-            <a:r>
-              <a:rPr lang="en-US" dirty="0"/>
-              <a:t>Log-in</a:t>
-            </a:r>
-          </a:p>
-        </p:txBody>
-      </p:sp>
-      <p:sp>
-        <p:nvSpPr>
-          <p:cNvPr id="58" name="Rectangle 57">
-            <a:extLst>
-              <a:ext uri="{FF2B5EF4-FFF2-40B4-BE49-F238E27FC236}">
-                <a16:creationId xmlns:a16="http://schemas.microsoft.com/office/drawing/2014/main" id="{6545BBA5-BF56-AA53-6BA0-C37FB170C5AF}"/>
-              </a:ext>
-            </a:extLst>
-          </p:cNvPr>
-          <p:cNvSpPr/>
-          <p:nvPr/>
-        </p:nvSpPr>
-        <p:spPr>
-          <a:xfrm>
-            <a:off x="1251751" y="2683276"/>
-            <a:ext cx="1411550" cy="745724"/>
-          </a:xfrm>
-          <a:prstGeom prst="rect">
-            <a:avLst/>
-          </a:prstGeom>
-          <a:solidFill>
-            <a:schemeClr val="accent1"/>
-          </a:solidFill>
-        </p:spPr>
-        <p:style>
-          <a:lnRef idx="2">
-            <a:schemeClr val="accent1">
-              <a:shade val="50000"/>
-            </a:schemeClr>
-          </a:lnRef>
-          <a:fillRef idx="1">
-            <a:schemeClr val="accent1"/>
-          </a:fillRef>
-          <a:effectRef idx="0">
-            <a:schemeClr val="accent1"/>
-          </a:effectRef>
-          <a:fontRef idx="minor">
-            <a:schemeClr val="lt1"/>
-          </a:fontRef>
-        </p:style>
-        <p:txBody>
-          <a:bodyPr rtlCol="0" anchor="ctr"/>
-          <a:lstStyle/>
-          <a:p>
-            <a:pPr algn="ctr"/>
-            <a:r>
-              <a:rPr lang="en-US" dirty="0"/>
-              <a:t>Sign-up</a:t>
-            </a:r>
-          </a:p>
-        </p:txBody>
-      </p:sp>
-      <p:sp>
-        <p:nvSpPr>
-          <p:cNvPr id="81" name="Rectangle 80">
-            <a:extLst>
-              <a:ext uri="{FF2B5EF4-FFF2-40B4-BE49-F238E27FC236}">
-                <a16:creationId xmlns:a16="http://schemas.microsoft.com/office/drawing/2014/main" id="{57CF23B8-490D-3A00-2269-CC7C4D268007}"/>
-              </a:ext>
-            </a:extLst>
-          </p:cNvPr>
-          <p:cNvSpPr/>
-          <p:nvPr/>
-        </p:nvSpPr>
-        <p:spPr>
-          <a:xfrm>
-            <a:off x="0" y="0"/>
-            <a:ext cx="5467908" cy="501589"/>
-          </a:xfrm>
-          <a:prstGeom prst="rect">
-            <a:avLst/>
-          </a:prstGeom>
-          <a:solidFill>
-            <a:schemeClr val="accent6"/>
-          </a:solidFill>
-          <a:ln>
-            <a:solidFill>
-              <a:schemeClr val="accent1"/>
-            </a:solidFill>
-          </a:ln>
-        </p:spPr>
-        <p:style>
-          <a:lnRef idx="2">
-            <a:schemeClr val="accent1">
-              <a:shade val="50000"/>
-            </a:schemeClr>
-          </a:lnRef>
-          <a:fillRef idx="1">
-            <a:schemeClr val="accent1"/>
-          </a:fillRef>
-          <a:effectRef idx="0">
-            <a:schemeClr val="accent1"/>
-          </a:effectRef>
-          <a:fontRef idx="minor">
-            <a:schemeClr val="lt1"/>
-          </a:fontRef>
-        </p:style>
-        <p:txBody>
-          <a:bodyPr rtlCol="0" anchor="ctr"/>
-          <a:lstStyle/>
-          <a:p>
-            <a:pPr algn="ctr"/>
-            <a:r>
-              <a:rPr lang="en-US" dirty="0"/>
-              <a:t>Starting Web Pages vs. 2</a:t>
-            </a:r>
-          </a:p>
-        </p:txBody>
-      </p:sp>
-      <p:sp>
-        <p:nvSpPr>
-          <p:cNvPr id="20" name="Rectangle 19">
-            <a:extLst>
-              <a:ext uri="{FF2B5EF4-FFF2-40B4-BE49-F238E27FC236}">
-                <a16:creationId xmlns:a16="http://schemas.microsoft.com/office/drawing/2014/main" id="{A99A1CA2-B61B-A174-1DE5-BD67EA70CE16}"/>
-              </a:ext>
-            </a:extLst>
-          </p:cNvPr>
-          <p:cNvSpPr/>
-          <p:nvPr/>
-        </p:nvSpPr>
-        <p:spPr>
-          <a:xfrm>
-            <a:off x="7722089" y="1211063"/>
-            <a:ext cx="1411550" cy="745724"/>
-          </a:xfrm>
-          <a:prstGeom prst="rect">
-            <a:avLst/>
-          </a:prstGeom>
-          <a:solidFill>
-            <a:schemeClr val="accent1"/>
-          </a:solidFill>
-        </p:spPr>
-        <p:style>
-          <a:lnRef idx="2">
-            <a:schemeClr val="accent1">
-              <a:shade val="50000"/>
-            </a:schemeClr>
-          </a:lnRef>
-          <a:fillRef idx="1">
-            <a:schemeClr val="accent1"/>
-          </a:fillRef>
-          <a:effectRef idx="0">
-            <a:schemeClr val="accent1"/>
-          </a:effectRef>
-          <a:fontRef idx="minor">
-            <a:schemeClr val="lt1"/>
-          </a:fontRef>
-        </p:style>
-        <p:txBody>
-          <a:bodyPr rtlCol="0" anchor="ctr"/>
-          <a:lstStyle/>
-          <a:p>
-            <a:pPr algn="ctr"/>
-            <a:r>
-              <a:rPr lang="en-US" dirty="0"/>
-              <a:t>Profile</a:t>
-            </a:r>
-          </a:p>
-        </p:txBody>
-      </p:sp>
-      <p:cxnSp>
-        <p:nvCxnSpPr>
-          <p:cNvPr id="22" name="Straight Arrow Connector 21">
-            <a:extLst>
-              <a:ext uri="{FF2B5EF4-FFF2-40B4-BE49-F238E27FC236}">
-                <a16:creationId xmlns:a16="http://schemas.microsoft.com/office/drawing/2014/main" id="{239493D2-6946-64C6-371D-353AB4463D04}"/>
-              </a:ext>
-            </a:extLst>
-          </p:cNvPr>
-          <p:cNvCxnSpPr>
-            <a:cxnSpLocks/>
-            <a:stCxn id="2" idx="3"/>
-            <a:endCxn id="20" idx="2"/>
-          </p:cNvCxnSpPr>
-          <p:nvPr/>
-        </p:nvCxnSpPr>
-        <p:spPr>
-          <a:xfrm flipV="1">
-            <a:off x="7153918" y="1956787"/>
-            <a:ext cx="1273946" cy="1099351"/>
-          </a:xfrm>
-          <a:prstGeom prst="straightConnector1">
-            <a:avLst/>
-          </a:prstGeom>
-          <a:ln>
-            <a:tailEnd type="triangle"/>
-          </a:ln>
-        </p:spPr>
-        <p:style>
-          <a:lnRef idx="1">
-            <a:schemeClr val="accent4"/>
-          </a:lnRef>
-          <a:fillRef idx="0">
-            <a:schemeClr val="accent4"/>
-          </a:fillRef>
-          <a:effectRef idx="0">
-            <a:schemeClr val="accent4"/>
-          </a:effectRef>
-          <a:fontRef idx="minor">
-            <a:schemeClr val="tx1"/>
-          </a:fontRef>
-        </p:style>
-      </p:cxnSp>
-      <p:cxnSp>
-        <p:nvCxnSpPr>
-          <p:cNvPr id="37" name="Straight Arrow Connector 36">
-            <a:extLst>
-              <a:ext uri="{FF2B5EF4-FFF2-40B4-BE49-F238E27FC236}">
-                <a16:creationId xmlns:a16="http://schemas.microsoft.com/office/drawing/2014/main" id="{BD6BA8FD-2ACD-3658-2D71-69E348AEF0ED}"/>
-              </a:ext>
-            </a:extLst>
-          </p:cNvPr>
-          <p:cNvCxnSpPr>
-            <a:stCxn id="58" idx="3"/>
-            <a:endCxn id="3" idx="1"/>
-          </p:cNvCxnSpPr>
-          <p:nvPr/>
-        </p:nvCxnSpPr>
-        <p:spPr>
-          <a:xfrm>
-            <a:off x="2663301" y="3056138"/>
-            <a:ext cx="833758" cy="0"/>
-          </a:xfrm>
-          <a:prstGeom prst="straightConnector1">
-            <a:avLst/>
-          </a:prstGeom>
-          <a:ln>
-            <a:tailEnd type="triangle"/>
-          </a:ln>
-        </p:spPr>
-        <p:style>
-          <a:lnRef idx="1">
-            <a:schemeClr val="accent4"/>
-          </a:lnRef>
-          <a:fillRef idx="0">
-            <a:schemeClr val="accent4"/>
-          </a:fillRef>
-          <a:effectRef idx="0">
-            <a:schemeClr val="accent4"/>
-          </a:effectRef>
-          <a:fontRef idx="minor">
-            <a:schemeClr val="tx1"/>
-          </a:fontRef>
-        </p:style>
-      </p:cxnSp>
-      <p:cxnSp>
-        <p:nvCxnSpPr>
-          <p:cNvPr id="39" name="Straight Arrow Connector 38">
-            <a:extLst>
-              <a:ext uri="{FF2B5EF4-FFF2-40B4-BE49-F238E27FC236}">
-                <a16:creationId xmlns:a16="http://schemas.microsoft.com/office/drawing/2014/main" id="{6BF3BA16-BCCF-BE3C-949E-01E99A04B338}"/>
-              </a:ext>
-            </a:extLst>
-          </p:cNvPr>
-          <p:cNvCxnSpPr>
-            <a:cxnSpLocks/>
-            <a:stCxn id="3" idx="3"/>
-            <a:endCxn id="2" idx="1"/>
-          </p:cNvCxnSpPr>
-          <p:nvPr/>
-        </p:nvCxnSpPr>
-        <p:spPr>
-          <a:xfrm>
-            <a:off x="4908609" y="3056138"/>
-            <a:ext cx="833759" cy="0"/>
-          </a:xfrm>
-          <a:prstGeom prst="straightConnector1">
-            <a:avLst/>
-          </a:prstGeom>
-          <a:ln>
-            <a:tailEnd type="triangle"/>
-          </a:ln>
-        </p:spPr>
-        <p:style>
-          <a:lnRef idx="1">
-            <a:schemeClr val="accent4"/>
-          </a:lnRef>
-          <a:fillRef idx="0">
-            <a:schemeClr val="accent4"/>
-          </a:fillRef>
-          <a:effectRef idx="0">
-            <a:schemeClr val="accent4"/>
-          </a:effectRef>
-          <a:fontRef idx="minor">
-            <a:schemeClr val="tx1"/>
-          </a:fontRef>
-        </p:style>
-      </p:cxnSp>
-    </p:spTree>
-    <p:extLst>
-      <p:ext uri="{BB962C8B-B14F-4D97-AF65-F5344CB8AC3E}">
-        <p14:creationId xmlns:p14="http://schemas.microsoft.com/office/powerpoint/2010/main" val="1805609580"/>
       </p:ext>
     </p:extLst>
   </p:cSld>
@@ -4357,6 +4404,26 @@
 </file>
 
 <file path=customXml/item1.xml><?xml version="1.0" encoding="utf-8"?>
+<p:properties xmlns:p="http://schemas.microsoft.com/office/2006/metadata/properties" xmlns:xsi="http://www.w3.org/2001/XMLSchema-instance" xmlns:pc="http://schemas.microsoft.com/office/infopath/2007/PartnerControls">
+  <documentManagement>
+    <TaxCatchAll xmlns="7229dbd6-438c-4362-93ee-383715cce5f6" xsi:nil="true"/>
+    <lcf76f155ced4ddcb4097134ff3c332f xmlns="1650ce25-36f5-49d9-a781-e04693d35547">
+      <Terms xmlns="http://schemas.microsoft.com/office/infopath/2007/PartnerControls"/>
+    </lcf76f155ced4ddcb4097134ff3c332f>
+  </documentManagement>
+</p:properties>
+</file>
+
+<file path=customXml/item2.xml><?xml version="1.0" encoding="utf-8"?>
+<?mso-contentType ?>
+<FormTemplates xmlns="http://schemas.microsoft.com/sharepoint/v3/contenttype/forms">
+  <Display>DocumentLibraryForm</Display>
+  <Edit>DocumentLibraryForm</Edit>
+  <New>DocumentLibraryForm</New>
+</FormTemplates>
+</file>
+
+<file path=customXml/item3.xml><?xml version="1.0" encoding="utf-8"?>
 <ct:contentTypeSchema xmlns:ct="http://schemas.microsoft.com/office/2006/metadata/contentType" xmlns:ma="http://schemas.microsoft.com/office/2006/metadata/properties/metaAttributes" ct:_="" ma:_="" ma:contentTypeName="Document" ma:contentTypeID="0x010100CA7B63173061144C8B18657D4B712650" ma:contentTypeVersion="8" ma:contentTypeDescription="Create a new document." ma:contentTypeScope="" ma:versionID="9b1734eea6a4a3ec7015a5d00bb0a1a8">
   <xsd:schema xmlns:xsd="http://www.w3.org/2001/XMLSchema" xmlns:xs="http://www.w3.org/2001/XMLSchema" xmlns:p="http://schemas.microsoft.com/office/2006/metadata/properties" xmlns:ns2="1650ce25-36f5-49d9-a781-e04693d35547" xmlns:ns3="7229dbd6-438c-4362-93ee-383715cce5f6" targetNamespace="http://schemas.microsoft.com/office/2006/metadata/properties" ma:root="true" ma:fieldsID="d550bdb17216edd0d7bdebaf49cc5204" ns2:_="" ns3:_="">
     <xsd:import namespace="1650ce25-36f5-49d9-a781-e04693d35547"/>
@@ -4533,27 +4600,26 @@
 </ct:contentTypeSchema>
 </file>
 
-<file path=customXml/item2.xml><?xml version="1.0" encoding="utf-8"?>
-<?mso-contentType ?>
-<FormTemplates xmlns="http://schemas.microsoft.com/sharepoint/v3/contenttype/forms">
-  <Display>DocumentLibraryForm</Display>
-  <Edit>DocumentLibraryForm</Edit>
-  <New>DocumentLibraryForm</New>
-</FormTemplates>
+<file path=customXml/itemProps1.xml><?xml version="1.0" encoding="utf-8"?>
+<ds:datastoreItem xmlns:ds="http://schemas.openxmlformats.org/officeDocument/2006/customXml" ds:itemID="{D6DC82FF-69FB-41ED-A357-B2452BB5A685}">
+  <ds:schemaRefs>
+    <ds:schemaRef ds:uri="http://schemas.microsoft.com/office/2006/metadata/properties"/>
+    <ds:schemaRef ds:uri="http://schemas.microsoft.com/office/infopath/2007/PartnerControls"/>
+    <ds:schemaRef ds:uri="7229dbd6-438c-4362-93ee-383715cce5f6"/>
+    <ds:schemaRef ds:uri="1650ce25-36f5-49d9-a781-e04693d35547"/>
+  </ds:schemaRefs>
+</ds:datastoreItem>
 </file>
 
-<file path=customXml/item3.xml><?xml version="1.0" encoding="utf-8"?>
-<p:properties xmlns:p="http://schemas.microsoft.com/office/2006/metadata/properties" xmlns:xsi="http://www.w3.org/2001/XMLSchema-instance" xmlns:pc="http://schemas.microsoft.com/office/infopath/2007/PartnerControls">
-  <documentManagement>
-    <TaxCatchAll xmlns="7229dbd6-438c-4362-93ee-383715cce5f6" xsi:nil="true"/>
-    <lcf76f155ced4ddcb4097134ff3c332f xmlns="1650ce25-36f5-49d9-a781-e04693d35547">
-      <Terms xmlns="http://schemas.microsoft.com/office/infopath/2007/PartnerControls"/>
-    </lcf76f155ced4ddcb4097134ff3c332f>
-  </documentManagement>
-</p:properties>
+<file path=customXml/itemProps2.xml><?xml version="1.0" encoding="utf-8"?>
+<ds:datastoreItem xmlns:ds="http://schemas.openxmlformats.org/officeDocument/2006/customXml" ds:itemID="{44432FB3-5676-4390-9997-7320D404A8A2}">
+  <ds:schemaRefs>
+    <ds:schemaRef ds:uri="http://schemas.microsoft.com/sharepoint/v3/contenttype/forms"/>
+  </ds:schemaRefs>
+</ds:datastoreItem>
 </file>
 
-<file path=customXml/itemProps1.xml><?xml version="1.0" encoding="utf-8"?>
+<file path=customXml/itemProps3.xml><?xml version="1.0" encoding="utf-8"?>
 <ds:datastoreItem xmlns:ds="http://schemas.openxmlformats.org/officeDocument/2006/customXml" ds:itemID="{3CD57EC4-B4EC-4CB2-A27E-F67AC6045EAF}">
   <ds:schemaRefs>
     <ds:schemaRef ds:uri="http://schemas.microsoft.com/office/2006/metadata/contentType"/>
@@ -4570,23 +4636,4 @@
     <ds:schemaRef ds:uri="http://schemas.microsoft.com/internal/obd"/>
   </ds:schemaRefs>
 </ds:datastoreItem>
-</file>
-
-<file path=customXml/itemProps2.xml><?xml version="1.0" encoding="utf-8"?>
-<ds:datastoreItem xmlns:ds="http://schemas.openxmlformats.org/officeDocument/2006/customXml" ds:itemID="{44432FB3-5676-4390-9997-7320D404A8A2}">
-  <ds:schemaRefs>
-    <ds:schemaRef ds:uri="http://schemas.microsoft.com/sharepoint/v3/contenttype/forms"/>
-  </ds:schemaRefs>
-</ds:datastoreItem>
-</file>
-
-<file path=customXml/itemProps3.xml><?xml version="1.0" encoding="utf-8"?>
-<ds:datastoreItem xmlns:ds="http://schemas.openxmlformats.org/officeDocument/2006/customXml" ds:itemID="{D6DC82FF-69FB-41ED-A357-B2452BB5A685}">
-  <ds:schemaRefs>
-    <ds:schemaRef ds:uri="http://schemas.microsoft.com/office/2006/metadata/properties"/>
-    <ds:schemaRef ds:uri="http://schemas.microsoft.com/office/infopath/2007/PartnerControls"/>
-    <ds:schemaRef ds:uri="7229dbd6-438c-4362-93ee-383715cce5f6"/>
-    <ds:schemaRef ds:uri="1650ce25-36f5-49d9-a781-e04693d35547"/>
-  </ds:schemaRefs>
-</ds:datastoreItem>
 </file>